--- a/IPhonePresentation.pptx
+++ b/IPhonePresentation.pptx
@@ -302,7 +302,7 @@
           <a:p>
             <a:fld id="{216C5678-EE20-4FA5-88E2-6E0BD67A2E26}" type="datetime1">
               <a:rPr lang="en-US" smtClean="0"/>
-              <a:t>11/23/13</a:t>
+              <a:t>11/24/13</a:t>
             </a:fld>
             <a:endParaRPr lang="en-US" dirty="0"/>
           </a:p>
@@ -472,7 +472,7 @@
           <a:p>
             <a:fld id="{EA051B39-B140-43FE-96DB-472A2B59CE7C}" type="datetime1">
               <a:rPr lang="en-US" smtClean="0"/>
-              <a:t>11/23/13</a:t>
+              <a:t>11/24/13</a:t>
             </a:fld>
             <a:endParaRPr lang="en-US"/>
           </a:p>
@@ -652,7 +652,7 @@
           <a:p>
             <a:fld id="{DA600BB2-27C5-458B-ABCE-839C88CF47CE}" type="datetime1">
               <a:rPr lang="en-US" smtClean="0"/>
-              <a:t>11/23/13</a:t>
+              <a:t>11/24/13</a:t>
             </a:fld>
             <a:endParaRPr lang="en-US"/>
           </a:p>
@@ -840,7 +840,7 @@
           <a:p>
             <a:fld id="{B11D738E-8962-435F-8C43-147B8DD7E819}" type="datetime1">
               <a:rPr lang="en-US" smtClean="0"/>
-              <a:t>11/23/13</a:t>
+              <a:t>11/24/13</a:t>
             </a:fld>
             <a:endParaRPr lang="en-US"/>
           </a:p>
@@ -1107,7 +1107,7 @@
           <a:p>
             <a:fld id="{09CAEA93-55E7-4DA9-90C2-089A26EEFEC4}" type="datetime1">
               <a:rPr lang="en-US" smtClean="0"/>
-              <a:t>11/23/13</a:t>
+              <a:t>11/24/13</a:t>
             </a:fld>
             <a:endParaRPr lang="en-US"/>
           </a:p>
@@ -1460,7 +1460,7 @@
           <a:p>
             <a:fld id="{E34CF3C7-6809-4F39-BD67-A75817BDDE0A}" type="datetime1">
               <a:rPr lang="en-US" smtClean="0"/>
-              <a:t>11/23/13</a:t>
+              <a:t>11/24/13</a:t>
             </a:fld>
             <a:endParaRPr lang="en-US"/>
           </a:p>
@@ -1773,7 +1773,7 @@
           <a:p>
             <a:fld id="{F7EAEB24-CE78-465C-A726-91D0868FA48F}" type="datetime1">
               <a:rPr lang="en-US" smtClean="0"/>
-              <a:t>11/23/13</a:t>
+              <a:t>11/24/13</a:t>
             </a:fld>
             <a:endParaRPr lang="en-US"/>
           </a:p>
@@ -2005,7 +2005,7 @@
           <a:p>
             <a:fld id="{40BAADF0-1749-4E8B-9691-B44A5F8C0895}" type="datetime1">
               <a:rPr lang="en-US" smtClean="0"/>
-              <a:t>11/23/13</a:t>
+              <a:t>11/24/13</a:t>
             </a:fld>
             <a:endParaRPr lang="en-US"/>
           </a:p>
@@ -2100,7 +2100,7 @@
           <a:p>
             <a:fld id="{A8AF628A-A867-4937-BBE5-207DB6F9C51A}" type="datetime1">
               <a:rPr lang="en-US" smtClean="0"/>
-              <a:t>11/23/13</a:t>
+              <a:t>11/24/13</a:t>
             </a:fld>
             <a:endParaRPr lang="en-US"/>
           </a:p>
@@ -2393,7 +2393,7 @@
           <a:p>
             <a:fld id="{118BBB94-68E6-4675-A946-F1C5994EDBD7}" type="datetime1">
               <a:rPr lang="en-US" smtClean="0"/>
-              <a:t>11/23/13</a:t>
+              <a:t>11/24/13</a:t>
             </a:fld>
             <a:endParaRPr lang="en-US"/>
           </a:p>
@@ -2667,7 +2667,7 @@
           <a:p>
             <a:fld id="{DC3B8377-21E3-4835-B75D-4E2847E2750F}" type="datetime1">
               <a:rPr lang="en-US" smtClean="0"/>
-              <a:t>11/23/13</a:t>
+              <a:t>11/24/13</a:t>
             </a:fld>
             <a:endParaRPr lang="en-US"/>
           </a:p>
@@ -2882,7 +2882,7 @@
           <a:p>
             <a:fld id="{B0C4986D-6BE9-4264-908F-02DB36FD8D6C}" type="datetime1">
               <a:rPr lang="en-US" smtClean="0"/>
-              <a:t>11/23/13</a:t>
+              <a:t>11/24/13</a:t>
             </a:fld>
             <a:endParaRPr lang="en-US" dirty="0"/>
           </a:p>
@@ -3423,7 +3423,7 @@
           <a:p>
             <a:r>
               <a:rPr lang="en-US" dirty="0" smtClean="0"/>
-              <a:t>Space Invaders IOS :) </a:t>
+              <a:t>Space Invaders </a:t>
             </a:r>
             <a:endParaRPr lang="en-US" dirty="0"/>
           </a:p>

--- a/IPhonePresentation.pptx
+++ b/IPhonePresentation.pptx
@@ -9,6 +9,7 @@
     <p:sldId id="257" r:id="rId3"/>
     <p:sldId id="258" r:id="rId4"/>
     <p:sldId id="259" r:id="rId5"/>
+    <p:sldId id="260" r:id="rId6"/>
   </p:sldIdLst>
   <p:sldSz cx="9144000" cy="6858000" type="screen4x3"/>
   <p:notesSz cx="6858000" cy="9144000"/>
@@ -302,7 +303,7 @@
           <a:p>
             <a:fld id="{216C5678-EE20-4FA5-88E2-6E0BD67A2E26}" type="datetime1">
               <a:rPr lang="en-US" smtClean="0"/>
-              <a:t>11/24/13</a:t>
+              <a:t>11/25/13</a:t>
             </a:fld>
             <a:endParaRPr lang="en-US" dirty="0"/>
           </a:p>
@@ -472,7 +473,7 @@
           <a:p>
             <a:fld id="{EA051B39-B140-43FE-96DB-472A2B59CE7C}" type="datetime1">
               <a:rPr lang="en-US" smtClean="0"/>
-              <a:t>11/24/13</a:t>
+              <a:t>11/25/13</a:t>
             </a:fld>
             <a:endParaRPr lang="en-US"/>
           </a:p>
@@ -652,7 +653,7 @@
           <a:p>
             <a:fld id="{DA600BB2-27C5-458B-ABCE-839C88CF47CE}" type="datetime1">
               <a:rPr lang="en-US" smtClean="0"/>
-              <a:t>11/24/13</a:t>
+              <a:t>11/25/13</a:t>
             </a:fld>
             <a:endParaRPr lang="en-US"/>
           </a:p>
@@ -840,7 +841,7 @@
           <a:p>
             <a:fld id="{B11D738E-8962-435F-8C43-147B8DD7E819}" type="datetime1">
               <a:rPr lang="en-US" smtClean="0"/>
-              <a:t>11/24/13</a:t>
+              <a:t>11/25/13</a:t>
             </a:fld>
             <a:endParaRPr lang="en-US"/>
           </a:p>
@@ -1107,7 +1108,7 @@
           <a:p>
             <a:fld id="{09CAEA93-55E7-4DA9-90C2-089A26EEFEC4}" type="datetime1">
               <a:rPr lang="en-US" smtClean="0"/>
-              <a:t>11/24/13</a:t>
+              <a:t>11/25/13</a:t>
             </a:fld>
             <a:endParaRPr lang="en-US"/>
           </a:p>
@@ -1460,7 +1461,7 @@
           <a:p>
             <a:fld id="{E34CF3C7-6809-4F39-BD67-A75817BDDE0A}" type="datetime1">
               <a:rPr lang="en-US" smtClean="0"/>
-              <a:t>11/24/13</a:t>
+              <a:t>11/25/13</a:t>
             </a:fld>
             <a:endParaRPr lang="en-US"/>
           </a:p>
@@ -1773,7 +1774,7 @@
           <a:p>
             <a:fld id="{F7EAEB24-CE78-465C-A726-91D0868FA48F}" type="datetime1">
               <a:rPr lang="en-US" smtClean="0"/>
-              <a:t>11/24/13</a:t>
+              <a:t>11/25/13</a:t>
             </a:fld>
             <a:endParaRPr lang="en-US"/>
           </a:p>
@@ -2005,7 +2006,7 @@
           <a:p>
             <a:fld id="{40BAADF0-1749-4E8B-9691-B44A5F8C0895}" type="datetime1">
               <a:rPr lang="en-US" smtClean="0"/>
-              <a:t>11/24/13</a:t>
+              <a:t>11/25/13</a:t>
             </a:fld>
             <a:endParaRPr lang="en-US"/>
           </a:p>
@@ -2100,7 +2101,7 @@
           <a:p>
             <a:fld id="{A8AF628A-A867-4937-BBE5-207DB6F9C51A}" type="datetime1">
               <a:rPr lang="en-US" smtClean="0"/>
-              <a:t>11/24/13</a:t>
+              <a:t>11/25/13</a:t>
             </a:fld>
             <a:endParaRPr lang="en-US"/>
           </a:p>
@@ -2393,7 +2394,7 @@
           <a:p>
             <a:fld id="{118BBB94-68E6-4675-A946-F1C5994EDBD7}" type="datetime1">
               <a:rPr lang="en-US" smtClean="0"/>
-              <a:t>11/24/13</a:t>
+              <a:t>11/25/13</a:t>
             </a:fld>
             <a:endParaRPr lang="en-US"/>
           </a:p>
@@ -2667,7 +2668,7 @@
           <a:p>
             <a:fld id="{DC3B8377-21E3-4835-B75D-4E2847E2750F}" type="datetime1">
               <a:rPr lang="en-US" smtClean="0"/>
-              <a:t>11/24/13</a:t>
+              <a:t>11/25/13</a:t>
             </a:fld>
             <a:endParaRPr lang="en-US"/>
           </a:p>
@@ -2882,7 +2883,7 @@
           <a:p>
             <a:fld id="{B0C4986D-6BE9-4264-908F-02DB36FD8D6C}" type="datetime1">
               <a:rPr lang="en-US" smtClean="0"/>
-              <a:t>11/24/13</a:t>
+              <a:t>11/25/13</a:t>
             </a:fld>
             <a:endParaRPr lang="en-US" dirty="0"/>
           </a:p>
@@ -3579,25 +3580,31 @@
           </a:p>
         </p:txBody>
       </p:sp>
-      <p:sp>
-        <p:nvSpPr>
-          <p:cNvPr id="3" name="Content Placeholder 2"/>
-          <p:cNvSpPr>
-            <a:spLocks noGrp="1"/>
-          </p:cNvSpPr>
+      <p:pic>
+        <p:nvPicPr>
+          <p:cNvPr id="4" name="Content Placeholder 3" descr="IMAG0025.jpg"/>
+          <p:cNvPicPr>
+            <a:picLocks noGrp="1" noChangeAspect="1"/>
+          </p:cNvPicPr>
           <p:nvPr>
             <p:ph idx="1"/>
           </p:nvPr>
-        </p:nvSpPr>
-        <p:spPr/>
-        <p:txBody>
-          <a:bodyPr/>
-          <a:lstStyle/>
-          <a:p>
-            <a:endParaRPr lang="en-US" dirty="0"/>
-          </a:p>
-        </p:txBody>
-      </p:sp>
+        </p:nvPicPr>
+        <p:blipFill>
+          <a:blip r:embed="rId2" cstate="print">
+            <a:extLst>
+              <a:ext uri="{28A0092B-C50C-407E-A947-70E740481C1C}">
+                <a14:useLocalDpi xmlns:a14="http://schemas.microsoft.com/office/drawing/2010/main" val="0"/>
+              </a:ext>
+            </a:extLst>
+          </a:blip>
+          <a:srcRect t="1372" b="1372"/>
+          <a:stretch>
+            <a:fillRect/>
+          </a:stretch>
+        </p:blipFill>
+        <p:spPr/>
+      </p:pic>
     </p:spTree>
     <p:extLst>
       <p:ext uri="{BB962C8B-B14F-4D97-AF65-F5344CB8AC3E}">
@@ -3645,14 +3652,7 @@
           <a:p>
             <a:r>
               <a:rPr lang="en-US" dirty="0" smtClean="0"/>
-              <a:t>Upgrade Ideas &amp;</a:t>
-            </a:r>
-            <a:br>
-              <a:rPr lang="en-US" dirty="0" smtClean="0"/>
-            </a:br>
-            <a:r>
-              <a:rPr lang="en-US" dirty="0" smtClean="0"/>
-              <a:t>Upgrade View Sketch</a:t>
+              <a:t>Upgrade Ideas </a:t>
             </a:r>
             <a:endParaRPr lang="en-US" dirty="0"/>
           </a:p>
@@ -3733,6 +3733,88 @@
     <p:extLst>
       <p:ext uri="{BB962C8B-B14F-4D97-AF65-F5344CB8AC3E}">
         <p14:creationId xmlns:p14="http://schemas.microsoft.com/office/powerpoint/2010/main" val="602147546"/>
+      </p:ext>
+    </p:extLst>
+  </p:cSld>
+  <p:clrMapOvr>
+    <a:masterClrMapping/>
+  </p:clrMapOvr>
+</p:sld>
+</file>
+
+<file path=ppt/slides/slide5.xml><?xml version="1.0" encoding="utf-8"?>
+<p:sld xmlns:a="http://schemas.openxmlformats.org/drawingml/2006/main" xmlns:r="http://schemas.openxmlformats.org/officeDocument/2006/relationships" xmlns:p="http://schemas.openxmlformats.org/presentationml/2006/main">
+  <p:cSld>
+    <p:spTree>
+      <p:nvGrpSpPr>
+        <p:cNvPr id="1" name=""/>
+        <p:cNvGrpSpPr/>
+        <p:nvPr/>
+      </p:nvGrpSpPr>
+      <p:grpSpPr>
+        <a:xfrm>
+          <a:off x="0" y="0"/>
+          <a:ext cx="0" cy="0"/>
+          <a:chOff x="0" y="0"/>
+          <a:chExt cx="0" cy="0"/>
+        </a:xfrm>
+      </p:grpSpPr>
+      <p:sp>
+        <p:nvSpPr>
+          <p:cNvPr id="2" name="Title 1"/>
+          <p:cNvSpPr>
+            <a:spLocks noGrp="1"/>
+          </p:cNvSpPr>
+          <p:nvPr>
+            <p:ph type="title"/>
+          </p:nvPr>
+        </p:nvSpPr>
+        <p:spPr/>
+        <p:txBody>
+          <a:bodyPr/>
+          <a:lstStyle/>
+          <a:p>
+            <a:r>
+              <a:rPr lang="en-US" dirty="0"/>
+              <a:t>Upgrade View Sketch</a:t>
+            </a:r>
+          </a:p>
+        </p:txBody>
+      </p:sp>
+      <p:pic>
+        <p:nvPicPr>
+          <p:cNvPr id="4" name="Content Placeholder 3" descr="IMAG0026.jpg"/>
+          <p:cNvPicPr>
+            <a:picLocks noGrp="1" noChangeAspect="1"/>
+          </p:cNvPicPr>
+          <p:nvPr>
+            <p:ph idx="1"/>
+          </p:nvPr>
+        </p:nvPicPr>
+        <p:blipFill>
+          <a:blip r:embed="rId2">
+            <a:extLst>
+              <a:ext uri="{28A0092B-C50C-407E-A947-70E740481C1C}">
+                <a14:useLocalDpi xmlns:a14="http://schemas.microsoft.com/office/drawing/2010/main" val="0"/>
+              </a:ext>
+            </a:extLst>
+          </a:blip>
+          <a:srcRect l="-110777" r="-110777"/>
+          <a:stretch>
+            <a:fillRect/>
+          </a:stretch>
+        </p:blipFill>
+        <p:spPr>
+          <a:xfrm rot="5400000" flipH="1" flipV="1">
+            <a:off x="-411657" y="1473200"/>
+            <a:ext cx="9098457" cy="5003800"/>
+          </a:xfrm>
+        </p:spPr>
+      </p:pic>
+    </p:spTree>
+    <p:extLst>
+      <p:ext uri="{BB962C8B-B14F-4D97-AF65-F5344CB8AC3E}">
+        <p14:creationId xmlns:p14="http://schemas.microsoft.com/office/powerpoint/2010/main" val="3092229188"/>
       </p:ext>
     </p:extLst>
   </p:cSld>

--- a/IPhonePresentation.pptx
+++ b/IPhonePresentation.pptx
@@ -2,13 +2,18 @@
 <file path=ppt/presentation.xml><?xml version="1.0" encoding="utf-8"?>
 <p:presentation xmlns:a="http://schemas.openxmlformats.org/drawingml/2006/main" xmlns:r="http://schemas.openxmlformats.org/officeDocument/2006/relationships" xmlns:p="http://schemas.openxmlformats.org/presentationml/2006/main" saveSubsetFonts="1">
   <p:sldMasterIdLst>
-    <p:sldMasterId id="2147483648" r:id="rId1"/>
+    <p:sldMasterId id="2147483917" r:id="rId1"/>
   </p:sldMasterIdLst>
   <p:sldIdLst>
     <p:sldId id="256" r:id="rId2"/>
     <p:sldId id="257" r:id="rId3"/>
     <p:sldId id="258" r:id="rId4"/>
-    <p:sldId id="259" r:id="rId5"/>
+    <p:sldId id="262" r:id="rId5"/>
+    <p:sldId id="260" r:id="rId6"/>
+    <p:sldId id="261" r:id="rId7"/>
+    <p:sldId id="263" r:id="rId8"/>
+    <p:sldId id="264" r:id="rId9"/>
+    <p:sldId id="259" r:id="rId10"/>
   </p:sldIdLst>
   <p:sldSz cx="9144000" cy="6858000" type="screen4x3"/>
   <p:notesSz cx="6858000" cy="9144000"/>
@@ -129,30 +134,107 @@
       </p:grpSpPr>
       <p:sp>
         <p:nvSpPr>
-          <p:cNvPr id="2" name="Title 1"/>
-          <p:cNvSpPr>
-            <a:spLocks noGrp="1"/>
-          </p:cNvSpPr>
-          <p:nvPr>
-            <p:ph type="ctrTitle"/>
-          </p:nvPr>
+          <p:cNvPr id="7" name="Rectangle 6"/>
+          <p:cNvSpPr/>
+          <p:nvPr/>
         </p:nvSpPr>
         <p:spPr>
           <a:xfrm>
-            <a:off x="685800" y="609601"/>
-            <a:ext cx="7772400" cy="4267200"/>
+            <a:off x="1328166" y="1295400"/>
+            <a:ext cx="6487668" cy="3152887"/>
+          </a:xfrm>
+          <a:prstGeom prst="rect">
+            <a:avLst/>
+          </a:prstGeom>
+          <a:ln w="3175">
+            <a:solidFill>
+              <a:schemeClr val="bg1"/>
+            </a:solidFill>
+          </a:ln>
+          <a:effectLst>
+            <a:outerShdw blurRad="63500" sx="100500" sy="100500" algn="ctr" rotWithShape="0">
+              <a:prstClr val="black">
+                <a:alpha val="50000"/>
+              </a:prstClr>
+            </a:outerShdw>
+          </a:effectLst>
+        </p:spPr>
+        <p:txBody>
+          <a:bodyPr vert="horz" lIns="91440" tIns="45720" rIns="91440" bIns="45720" rtlCol="0">
+            <a:normAutofit/>
+          </a:bodyPr>
+          <a:lstStyle/>
+          <a:p>
+            <a:pPr marL="0" indent="0" algn="l" defTabSz="914400" rtl="0" eaLnBrk="1" latinLnBrk="0" hangingPunct="1">
+              <a:spcBef>
+                <a:spcPts val="2000"/>
+              </a:spcBef>
+              <a:buClr>
+                <a:schemeClr val="accent1">
+                  <a:lumMod val="60000"/>
+                  <a:lumOff val="40000"/>
+                </a:schemeClr>
+              </a:buClr>
+              <a:buSzPct val="110000"/>
+              <a:buFont typeface="Wingdings 2" pitchFamily="18" charset="2"/>
+              <a:buNone/>
+            </a:pPr>
+            <a:endParaRPr sz="3200" kern="1200">
+              <a:solidFill>
+                <a:schemeClr val="tx1">
+                  <a:lumMod val="65000"/>
+                  <a:lumOff val="35000"/>
+                </a:schemeClr>
+              </a:solidFill>
+              <a:latin typeface="+mn-lt"/>
+              <a:ea typeface="+mn-ea"/>
+              <a:cs typeface="+mn-cs"/>
+            </a:endParaRPr>
+          </a:p>
+        </p:txBody>
+      </p:sp>
+      <p:sp>
+        <p:nvSpPr>
+          <p:cNvPr id="2" name="Title 1"/>
+          <p:cNvSpPr>
+            <a:spLocks noGrp="1"/>
+          </p:cNvSpPr>
+          <p:nvPr>
+            <p:ph type="ctrTitle"/>
+          </p:nvPr>
+        </p:nvSpPr>
+        <p:spPr>
+          <a:xfrm>
+            <a:off x="1322921" y="1523999"/>
+            <a:ext cx="6498158" cy="1724867"/>
           </a:xfrm>
         </p:spPr>
         <p:txBody>
-          <a:bodyPr anchor="b">
+          <a:bodyPr vert="horz" lIns="91440" tIns="45720" rIns="91440" bIns="45720" rtlCol="0" anchor="b" anchorCtr="0">
             <a:noAutofit/>
           </a:bodyPr>
           <a:lstStyle>
-            <a:lvl1pPr>
-              <a:lnSpc>
-                <a:spcPct val="100000"/>
-              </a:lnSpc>
-              <a:defRPr sz="8000"/>
+            <a:lvl1pPr marL="0" indent="0" algn="ctr" defTabSz="914400" rtl="0" eaLnBrk="1" latinLnBrk="0" hangingPunct="1">
+              <a:spcBef>
+                <a:spcPct val="0"/>
+              </a:spcBef>
+              <a:buClr>
+                <a:schemeClr val="accent1">
+                  <a:lumMod val="60000"/>
+                  <a:lumOff val="40000"/>
+                </a:schemeClr>
+              </a:buClr>
+              <a:buSzPct val="110000"/>
+              <a:buFont typeface="Wingdings 2" pitchFamily="18" charset="2"/>
+              <a:buNone/>
+              <a:defRPr sz="4600" kern="1200">
+                <a:solidFill>
+                  <a:schemeClr val="accent1"/>
+                </a:solidFill>
+                <a:latin typeface="+mj-lt"/>
+                <a:ea typeface="+mj-ea"/>
+                <a:cs typeface="+mj-cs"/>
+              </a:defRPr>
             </a:lvl1pPr>
           </a:lstStyle>
           <a:p>
@@ -160,7 +242,7 @@
               <a:rPr lang="en-US" smtClean="0"/>
               <a:t>Click to edit Master title style</a:t>
             </a:r>
-            <a:endParaRPr lang="en-US" dirty="0"/>
+            <a:endParaRPr/>
           </a:p>
         </p:txBody>
       </p:sp>
@@ -176,23 +258,37 @@
         </p:nvSpPr>
         <p:spPr>
           <a:xfrm>
-            <a:off x="1371600" y="4953000"/>
-            <a:ext cx="6400800" cy="1219200"/>
+            <a:off x="1322921" y="3299012"/>
+            <a:ext cx="6498159" cy="916641"/>
           </a:xfrm>
         </p:spPr>
         <p:txBody>
-          <a:bodyPr>
+          <a:bodyPr vert="horz" lIns="91440" tIns="45720" rIns="91440" bIns="45720" rtlCol="0">
             <a:normAutofit/>
           </a:bodyPr>
           <a:lstStyle>
-            <a:lvl1pPr marL="0" indent="0" algn="ctr">
-              <a:buNone/>
-              <a:defRPr sz="2400">
+            <a:lvl1pPr marL="0" indent="0" algn="ctr" defTabSz="914400" rtl="0" eaLnBrk="1" latinLnBrk="0" hangingPunct="1">
+              <a:spcBef>
+                <a:spcPts val="300"/>
+              </a:spcBef>
+              <a:buClr>
+                <a:schemeClr val="accent1">
+                  <a:lumMod val="60000"/>
+                  <a:lumOff val="40000"/>
+                </a:schemeClr>
+              </a:buClr>
+              <a:buSzPct val="110000"/>
+              <a:buFont typeface="Wingdings 2" pitchFamily="18" charset="2"/>
+              <a:buNone/>
+              <a:defRPr sz="1800" kern="1200">
                 <a:solidFill>
                   <a:schemeClr val="tx1">
                     <a:tint val="75000"/>
                   </a:schemeClr>
                 </a:solidFill>
+                <a:latin typeface="+mn-lt"/>
+                <a:ea typeface="+mn-ea"/>
+                <a:cs typeface="+mn-cs"/>
               </a:defRPr>
             </a:lvl1pPr>
             <a:lvl2pPr marL="457200" indent="0" algn="ctr">
@@ -281,13 +377,13 @@
               <a:rPr lang="en-US" smtClean="0"/>
               <a:t>Click to edit Master subtitle style</a:t>
             </a:r>
-            <a:endParaRPr lang="en-US" dirty="0"/>
-          </a:p>
-        </p:txBody>
-      </p:sp>
-      <p:sp>
-        <p:nvSpPr>
-          <p:cNvPr id="7" name="Date Placeholder 6"/>
+            <a:endParaRPr dirty="0"/>
+          </a:p>
+        </p:txBody>
+      </p:sp>
+      <p:sp>
+        <p:nvSpPr>
+          <p:cNvPr id="4" name="Date Placeholder 3"/>
           <p:cNvSpPr>
             <a:spLocks noGrp="1"/>
           </p:cNvSpPr>
@@ -302,7 +398,7 @@
           <a:p>
             <a:fld id="{216C5678-EE20-4FA5-88E2-6E0BD67A2E26}" type="datetime1">
               <a:rPr lang="en-US" smtClean="0"/>
-              <a:t>11/23/13</a:t>
+              <a:t>24/11/13</a:t>
             </a:fld>
             <a:endParaRPr lang="en-US" dirty="0"/>
           </a:p>
@@ -310,12 +406,12 @@
       </p:sp>
       <p:sp>
         <p:nvSpPr>
-          <p:cNvPr id="8" name="Slide Number Placeholder 7"/>
-          <p:cNvSpPr>
-            <a:spLocks noGrp="1"/>
-          </p:cNvSpPr>
-          <p:nvPr>
-            <p:ph type="sldNum" sz="quarter" idx="11"/>
+          <p:cNvPr id="5" name="Footer Placeholder 4"/>
+          <p:cNvSpPr>
+            <a:spLocks noGrp="1"/>
+          </p:cNvSpPr>
+          <p:nvPr>
+            <p:ph type="ftr" sz="quarter" idx="11"/>
           </p:nvPr>
         </p:nvSpPr>
         <p:spPr/>
@@ -323,35 +419,34 @@
           <a:bodyPr/>
           <a:lstStyle/>
           <a:p>
-            <a:fld id="{BA9B540C-44DA-4F69-89C9-7C84606640D3}" type="slidenum">
-              <a:rPr lang="en-US" smtClean="0"/>
-              <a:pPr/>
+            <a:r>
+              <a:rPr lang="en-US" smtClean="0"/>
+              <a:t>Footer Text</a:t>
+            </a:r>
+            <a:endParaRPr lang="en-US" dirty="0"/>
+          </a:p>
+        </p:txBody>
+      </p:sp>
+      <p:sp>
+        <p:nvSpPr>
+          <p:cNvPr id="6" name="Slide Number Placeholder 5"/>
+          <p:cNvSpPr>
+            <a:spLocks noGrp="1"/>
+          </p:cNvSpPr>
+          <p:nvPr>
+            <p:ph type="sldNum" sz="quarter" idx="12"/>
+          </p:nvPr>
+        </p:nvSpPr>
+        <p:spPr/>
+        <p:txBody>
+          <a:bodyPr/>
+          <a:lstStyle/>
+          <a:p>
+            <a:fld id="{57AF16DE-A0D5-4438-950F-5B1E159C2C28}" type="slidenum">
+              <a:rPr lang="en-US" smtClean="0"/>
               <a:t>‹#›</a:t>
             </a:fld>
-            <a:endParaRPr lang="en-US" dirty="0"/>
-          </a:p>
-        </p:txBody>
-      </p:sp>
-      <p:sp>
-        <p:nvSpPr>
-          <p:cNvPr id="9" name="Footer Placeholder 8"/>
-          <p:cNvSpPr>
-            <a:spLocks noGrp="1"/>
-          </p:cNvSpPr>
-          <p:nvPr>
-            <p:ph type="ftr" sz="quarter" idx="12"/>
-          </p:nvPr>
-        </p:nvSpPr>
-        <p:spPr/>
-        <p:txBody>
-          <a:bodyPr/>
-          <a:lstStyle/>
-          <a:p>
-            <a:r>
-              <a:rPr lang="en-US" smtClean="0"/>
-              <a:t>Footer Text</a:t>
-            </a:r>
-            <a:endParaRPr lang="en-US" dirty="0"/>
+            <a:endParaRPr lang="en-US"/>
           </a:p>
         </p:txBody>
       </p:sp>
@@ -364,6 +459,303 @@
 </file>
 
 <file path=ppt/slideLayouts/slideLayout10.xml><?xml version="1.0" encoding="utf-8"?>
+<p:sldLayout xmlns:a="http://schemas.openxmlformats.org/drawingml/2006/main" xmlns:r="http://schemas.openxmlformats.org/officeDocument/2006/relationships" xmlns:p="http://schemas.openxmlformats.org/presentationml/2006/main" preserve="1">
+  <p:cSld name="Picture with Caption">
+    <p:spTree>
+      <p:nvGrpSpPr>
+        <p:cNvPr id="1" name=""/>
+        <p:cNvGrpSpPr/>
+        <p:nvPr/>
+      </p:nvGrpSpPr>
+      <p:grpSpPr>
+        <a:xfrm>
+          <a:off x="0" y="0"/>
+          <a:ext cx="0" cy="0"/>
+          <a:chOff x="0" y="0"/>
+          <a:chExt cx="0" cy="0"/>
+        </a:xfrm>
+      </p:grpSpPr>
+      <p:sp>
+        <p:nvSpPr>
+          <p:cNvPr id="2" name="Title 1"/>
+          <p:cNvSpPr>
+            <a:spLocks noGrp="1"/>
+          </p:cNvSpPr>
+          <p:nvPr>
+            <p:ph type="title"/>
+          </p:nvPr>
+        </p:nvSpPr>
+        <p:spPr>
+          <a:xfrm>
+            <a:off x="533398" y="611872"/>
+            <a:ext cx="4079545" cy="1162050"/>
+          </a:xfrm>
+        </p:spPr>
+        <p:txBody>
+          <a:bodyPr anchor="b"/>
+          <a:lstStyle>
+            <a:lvl1pPr algn="ctr">
+              <a:defRPr sz="3600" b="0"/>
+            </a:lvl1pPr>
+          </a:lstStyle>
+          <a:p>
+            <a:r>
+              <a:rPr lang="en-US" smtClean="0"/>
+              <a:t>Click to edit Master title style</a:t>
+            </a:r>
+            <a:endParaRPr/>
+          </a:p>
+        </p:txBody>
+      </p:sp>
+      <p:sp>
+        <p:nvSpPr>
+          <p:cNvPr id="4" name="Text Placeholder 3"/>
+          <p:cNvSpPr>
+            <a:spLocks noGrp="1"/>
+          </p:cNvSpPr>
+          <p:nvPr>
+            <p:ph type="body" sz="half" idx="2"/>
+          </p:nvPr>
+        </p:nvSpPr>
+        <p:spPr>
+          <a:xfrm>
+            <a:off x="533398" y="1787856"/>
+            <a:ext cx="4079545" cy="3720152"/>
+          </a:xfrm>
+        </p:spPr>
+        <p:txBody>
+          <a:bodyPr>
+            <a:normAutofit/>
+          </a:bodyPr>
+          <a:lstStyle>
+            <a:lvl1pPr marL="0" indent="0" algn="ctr">
+              <a:spcBef>
+                <a:spcPts val="600"/>
+              </a:spcBef>
+              <a:buNone/>
+              <a:defRPr sz="1800"/>
+            </a:lvl1pPr>
+            <a:lvl2pPr marL="457200" indent="0">
+              <a:buNone/>
+              <a:defRPr sz="1200"/>
+            </a:lvl2pPr>
+            <a:lvl3pPr marL="914400" indent="0">
+              <a:buNone/>
+              <a:defRPr sz="1000"/>
+            </a:lvl3pPr>
+            <a:lvl4pPr marL="1371600" indent="0">
+              <a:buNone/>
+              <a:defRPr sz="900"/>
+            </a:lvl4pPr>
+            <a:lvl5pPr marL="1828800" indent="0">
+              <a:buNone/>
+              <a:defRPr sz="900"/>
+            </a:lvl5pPr>
+            <a:lvl6pPr marL="2286000" indent="0">
+              <a:buNone/>
+              <a:defRPr sz="900"/>
+            </a:lvl6pPr>
+            <a:lvl7pPr marL="2743200" indent="0">
+              <a:buNone/>
+              <a:defRPr sz="900"/>
+            </a:lvl7pPr>
+            <a:lvl8pPr marL="3200400" indent="0">
+              <a:buNone/>
+              <a:defRPr sz="900"/>
+            </a:lvl8pPr>
+            <a:lvl9pPr marL="3657600" indent="0">
+              <a:buNone/>
+              <a:defRPr sz="900"/>
+            </a:lvl9pPr>
+          </a:lstStyle>
+          <a:p>
+            <a:pPr lvl="0"/>
+            <a:r>
+              <a:rPr lang="en-US" smtClean="0"/>
+              <a:t>Click to edit Master text styles</a:t>
+            </a:r>
+          </a:p>
+        </p:txBody>
+      </p:sp>
+      <p:sp>
+        <p:nvSpPr>
+          <p:cNvPr id="5" name="Date Placeholder 4"/>
+          <p:cNvSpPr>
+            <a:spLocks noGrp="1"/>
+          </p:cNvSpPr>
+          <p:nvPr>
+            <p:ph type="dt" sz="half" idx="10"/>
+          </p:nvPr>
+        </p:nvSpPr>
+        <p:spPr/>
+        <p:txBody>
+          <a:bodyPr/>
+          <a:lstStyle/>
+          <a:p>
+            <a:fld id="{DC3B8377-21E3-4835-B75D-4E2847E2750F}" type="datetime1">
+              <a:rPr lang="en-US" smtClean="0"/>
+              <a:t>24/11/13</a:t>
+            </a:fld>
+            <a:endParaRPr lang="en-US"/>
+          </a:p>
+        </p:txBody>
+      </p:sp>
+      <p:sp>
+        <p:nvSpPr>
+          <p:cNvPr id="6" name="Footer Placeholder 5"/>
+          <p:cNvSpPr>
+            <a:spLocks noGrp="1"/>
+          </p:cNvSpPr>
+          <p:nvPr>
+            <p:ph type="ftr" sz="quarter" idx="11"/>
+          </p:nvPr>
+        </p:nvSpPr>
+        <p:spPr/>
+        <p:txBody>
+          <a:bodyPr/>
+          <a:lstStyle/>
+          <a:p>
+            <a:r>
+              <a:rPr lang="en-US" smtClean="0"/>
+              <a:t>Footer Text</a:t>
+            </a:r>
+            <a:endParaRPr lang="en-US"/>
+          </a:p>
+        </p:txBody>
+      </p:sp>
+      <p:sp>
+        <p:nvSpPr>
+          <p:cNvPr id="7" name="Slide Number Placeholder 6"/>
+          <p:cNvSpPr>
+            <a:spLocks noGrp="1"/>
+          </p:cNvSpPr>
+          <p:nvPr>
+            <p:ph type="sldNum" sz="quarter" idx="12"/>
+          </p:nvPr>
+        </p:nvSpPr>
+        <p:spPr/>
+        <p:txBody>
+          <a:bodyPr/>
+          <a:lstStyle/>
+          <a:p>
+            <a:fld id="{BA9B540C-44DA-4F69-89C9-7C84606640D3}" type="slidenum">
+              <a:rPr lang="en-US" smtClean="0"/>
+              <a:pPr/>
+              <a:t>‹#›</a:t>
+            </a:fld>
+            <a:endParaRPr lang="en-US"/>
+          </a:p>
+        </p:txBody>
+      </p:sp>
+      <p:sp>
+        <p:nvSpPr>
+          <p:cNvPr id="8" name="Picture Placeholder 2"/>
+          <p:cNvSpPr>
+            <a:spLocks noGrp="1"/>
+          </p:cNvSpPr>
+          <p:nvPr>
+            <p:ph type="pic" idx="1"/>
+          </p:nvPr>
+        </p:nvSpPr>
+        <p:spPr>
+          <a:xfrm>
+            <a:off x="5090617" y="359392"/>
+            <a:ext cx="3657600" cy="5318077"/>
+          </a:xfrm>
+          <a:ln w="3175">
+            <a:solidFill>
+              <a:schemeClr val="bg1"/>
+            </a:solidFill>
+          </a:ln>
+          <a:effectLst>
+            <a:outerShdw blurRad="63500" sx="100500" sy="100500" algn="ctr" rotWithShape="0">
+              <a:prstClr val="black">
+                <a:alpha val="50000"/>
+              </a:prstClr>
+            </a:outerShdw>
+          </a:effectLst>
+        </p:spPr>
+        <p:txBody>
+          <a:bodyPr vert="horz" lIns="91440" tIns="45720" rIns="91440" bIns="45720" rtlCol="0">
+            <a:normAutofit/>
+          </a:bodyPr>
+          <a:lstStyle>
+            <a:lvl1pPr marL="0" indent="0" algn="l" defTabSz="914400" rtl="0" eaLnBrk="1" latinLnBrk="0" hangingPunct="1">
+              <a:spcBef>
+                <a:spcPts val="2000"/>
+              </a:spcBef>
+              <a:buClr>
+                <a:schemeClr val="accent1">
+                  <a:lumMod val="60000"/>
+                  <a:lumOff val="40000"/>
+                </a:schemeClr>
+              </a:buClr>
+              <a:buSzPct val="110000"/>
+              <a:buFont typeface="Wingdings 2" pitchFamily="18" charset="2"/>
+              <a:buNone/>
+              <a:defRPr sz="3200" kern="1200">
+                <a:solidFill>
+                  <a:schemeClr val="tx1">
+                    <a:lumMod val="65000"/>
+                    <a:lumOff val="35000"/>
+                  </a:schemeClr>
+                </a:solidFill>
+                <a:latin typeface="+mn-lt"/>
+                <a:ea typeface="+mn-ea"/>
+                <a:cs typeface="+mn-cs"/>
+              </a:defRPr>
+            </a:lvl1pPr>
+            <a:lvl2pPr marL="457200" indent="0">
+              <a:buNone/>
+              <a:defRPr sz="2800"/>
+            </a:lvl2pPr>
+            <a:lvl3pPr marL="914400" indent="0">
+              <a:buNone/>
+              <a:defRPr sz="2400"/>
+            </a:lvl3pPr>
+            <a:lvl4pPr marL="1371600" indent="0">
+              <a:buNone/>
+              <a:defRPr sz="2000"/>
+            </a:lvl4pPr>
+            <a:lvl5pPr marL="1828800" indent="0">
+              <a:buNone/>
+              <a:defRPr sz="2000"/>
+            </a:lvl5pPr>
+            <a:lvl6pPr marL="2286000" indent="0">
+              <a:buNone/>
+              <a:defRPr sz="2000"/>
+            </a:lvl6pPr>
+            <a:lvl7pPr marL="2743200" indent="0">
+              <a:buNone/>
+              <a:defRPr sz="2000"/>
+            </a:lvl7pPr>
+            <a:lvl8pPr marL="3200400" indent="0">
+              <a:buNone/>
+              <a:defRPr sz="2000"/>
+            </a:lvl8pPr>
+            <a:lvl9pPr marL="3657600" indent="0">
+              <a:buNone/>
+              <a:defRPr sz="2000"/>
+            </a:lvl9pPr>
+          </a:lstStyle>
+          <a:p>
+            <a:r>
+              <a:rPr lang="en-US" smtClean="0"/>
+              <a:t>Drag picture to placeholder or click icon to add</a:t>
+            </a:r>
+            <a:endParaRPr/>
+          </a:p>
+        </p:txBody>
+      </p:sp>
+    </p:spTree>
+  </p:cSld>
+  <p:clrMapOvr>
+    <a:masterClrMapping/>
+  </p:clrMapOvr>
+</p:sldLayout>
+</file>
+
+<file path=ppt/slideLayouts/slideLayout11.xml><?xml version="1.0" encoding="utf-8"?>
 <p:sldLayout xmlns:a="http://schemas.openxmlformats.org/drawingml/2006/main" xmlns:r="http://schemas.openxmlformats.org/officeDocument/2006/relationships" xmlns:p="http://schemas.openxmlformats.org/presentationml/2006/main" type="vertTx" preserve="1">
   <p:cSld name="Title and Vertical Text">
     <p:spTree>
@@ -399,7 +791,7 @@
               <a:rPr lang="en-US" smtClean="0"/>
               <a:t>Click to edit Master title style</a:t>
             </a:r>
-            <a:endParaRPr lang="en-US" dirty="0"/>
+            <a:endParaRPr/>
           </a:p>
         </p:txBody>
       </p:sp>
@@ -416,7 +808,11 @@
         <p:spPr/>
         <p:txBody>
           <a:bodyPr vert="eaVert"/>
-          <a:lstStyle/>
+          <a:lstStyle>
+            <a:lvl5pPr>
+              <a:defRPr/>
+            </a:lvl5pPr>
+          </a:lstStyle>
           <a:p>
             <a:pPr lvl="0"/>
             <a:r>
@@ -451,7 +847,7 @@
               <a:rPr lang="en-US" smtClean="0"/>
               <a:t>Fifth level</a:t>
             </a:r>
-            <a:endParaRPr lang="en-US"/>
+            <a:endParaRPr dirty="0"/>
           </a:p>
         </p:txBody>
       </p:sp>
@@ -472,7 +868,7 @@
           <a:p>
             <a:fld id="{EA051B39-B140-43FE-96DB-472A2B59CE7C}" type="datetime1">
               <a:rPr lang="en-US" smtClean="0"/>
-              <a:t>11/23/13</a:t>
+              <a:t>24/11/13</a:t>
             </a:fld>
             <a:endParaRPr lang="en-US"/>
           </a:p>
@@ -533,7 +929,7 @@
 </p:sldLayout>
 </file>
 
-<file path=ppt/slideLayouts/slideLayout11.xml><?xml version="1.0" encoding="utf-8"?>
+<file path=ppt/slideLayouts/slideLayout12.xml><?xml version="1.0" encoding="utf-8"?>
 <p:sldLayout xmlns:a="http://schemas.openxmlformats.org/drawingml/2006/main" xmlns:r="http://schemas.openxmlformats.org/officeDocument/2006/relationships" xmlns:p="http://schemas.openxmlformats.org/presentationml/2006/main" type="vertTitleAndTx" preserve="1">
   <p:cSld name="Vertical Title and Text">
     <p:spTree>
@@ -562,8 +958,8 @@
         </p:nvSpPr>
         <p:spPr>
           <a:xfrm>
-            <a:off x="6629400" y="274638"/>
-            <a:ext cx="2057400" cy="5851525"/>
+            <a:off x="7369792" y="368301"/>
+            <a:ext cx="1524000" cy="5575300"/>
           </a:xfrm>
         </p:spPr>
         <p:txBody>
@@ -574,7 +970,7 @@
               <a:rPr lang="en-US" smtClean="0"/>
               <a:t>Click to edit Master title style</a:t>
             </a:r>
-            <a:endParaRPr lang="en-US" dirty="0"/>
+            <a:endParaRPr/>
           </a:p>
         </p:txBody>
       </p:sp>
@@ -590,13 +986,17 @@
         </p:nvSpPr>
         <p:spPr>
           <a:xfrm>
-            <a:off x="457200" y="274638"/>
-            <a:ext cx="6019800" cy="5851525"/>
+            <a:off x="549274" y="368301"/>
+            <a:ext cx="6689726" cy="5575300"/>
           </a:xfrm>
         </p:spPr>
         <p:txBody>
           <a:bodyPr vert="eaVert"/>
-          <a:lstStyle/>
+          <a:lstStyle>
+            <a:lvl5pPr>
+              <a:defRPr/>
+            </a:lvl5pPr>
+          </a:lstStyle>
           <a:p>
             <a:pPr lvl="0"/>
             <a:r>
@@ -631,7 +1031,7 @@
               <a:rPr lang="en-US" smtClean="0"/>
               <a:t>Fifth level</a:t>
             </a:r>
-            <a:endParaRPr lang="en-US"/>
+            <a:endParaRPr dirty="0"/>
           </a:p>
         </p:txBody>
       </p:sp>
@@ -652,7 +1052,7 @@
           <a:p>
             <a:fld id="{DA600BB2-27C5-458B-ABCE-839C88CF47CE}" type="datetime1">
               <a:rPr lang="en-US" smtClean="0"/>
-              <a:t>11/23/13</a:t>
+              <a:t>24/11/13</a:t>
             </a:fld>
             <a:endParaRPr lang="en-US"/>
           </a:p>
@@ -749,7 +1149,7 @@
               <a:rPr lang="en-US" smtClean="0"/>
               <a:t>Click to edit Master title style</a:t>
             </a:r>
-            <a:endParaRPr lang="en-US" dirty="0"/>
+            <a:endParaRPr/>
           </a:p>
         </p:txBody>
       </p:sp>
@@ -770,20 +1170,6 @@
             <a:lvl5pPr>
               <a:defRPr/>
             </a:lvl5pPr>
-            <a:lvl6pPr>
-              <a:defRPr/>
-            </a:lvl6pPr>
-            <a:lvl7pPr>
-              <a:defRPr/>
-            </a:lvl7pPr>
-            <a:lvl8pPr>
-              <a:defRPr/>
-            </a:lvl8pPr>
-            <a:lvl9pPr>
-              <a:buFont typeface="Arial" pitchFamily="34" charset="0"/>
-              <a:buChar char="•"/>
-              <a:defRPr/>
-            </a:lvl9pPr>
           </a:lstStyle>
           <a:p>
             <a:pPr lvl="0"/>
@@ -819,7 +1205,7 @@
               <a:rPr lang="en-US" smtClean="0"/>
               <a:t>Fifth level</a:t>
             </a:r>
-            <a:endParaRPr lang="en-US" dirty="0" smtClean="0"/>
+            <a:endParaRPr dirty="0"/>
           </a:p>
         </p:txBody>
       </p:sp>
@@ -840,7 +1226,7 @@
           <a:p>
             <a:fld id="{B11D738E-8962-435F-8C43-147B8DD7E819}" type="datetime1">
               <a:rPr lang="en-US" smtClean="0"/>
-              <a:t>11/23/13</a:t>
+              <a:t>24/11/13</a:t>
             </a:fld>
             <a:endParaRPr lang="en-US"/>
           </a:p>
@@ -902,6 +1288,331 @@
 </file>
 
 <file path=ppt/slideLayouts/slideLayout3.xml><?xml version="1.0" encoding="utf-8"?>
+<p:sldLayout xmlns:a="http://schemas.openxmlformats.org/drawingml/2006/main" xmlns:r="http://schemas.openxmlformats.org/officeDocument/2006/relationships" xmlns:p="http://schemas.openxmlformats.org/presentationml/2006/main" preserve="1">
+  <p:cSld name="Title Slide with Picture">
+    <p:spTree>
+      <p:nvGrpSpPr>
+        <p:cNvPr id="1" name=""/>
+        <p:cNvGrpSpPr/>
+        <p:nvPr/>
+      </p:nvGrpSpPr>
+      <p:grpSpPr>
+        <a:xfrm>
+          <a:off x="0" y="0"/>
+          <a:ext cx="0" cy="0"/>
+          <a:chOff x="0" y="0"/>
+          <a:chExt cx="0" cy="0"/>
+        </a:xfrm>
+      </p:grpSpPr>
+      <p:sp>
+        <p:nvSpPr>
+          <p:cNvPr id="2" name="Title 1"/>
+          <p:cNvSpPr>
+            <a:spLocks noGrp="1"/>
+          </p:cNvSpPr>
+          <p:nvPr>
+            <p:ph type="ctrTitle"/>
+          </p:nvPr>
+        </p:nvSpPr>
+        <p:spPr>
+          <a:xfrm>
+            <a:off x="363538" y="3352801"/>
+            <a:ext cx="8416925" cy="1470025"/>
+          </a:xfrm>
+        </p:spPr>
+        <p:txBody>
+          <a:bodyPr/>
+          <a:lstStyle/>
+          <a:p>
+            <a:r>
+              <a:rPr lang="en-US" smtClean="0"/>
+              <a:t>Click to edit Master title style</a:t>
+            </a:r>
+            <a:endParaRPr dirty="0"/>
+          </a:p>
+        </p:txBody>
+      </p:sp>
+      <p:sp>
+        <p:nvSpPr>
+          <p:cNvPr id="3" name="Subtitle 2"/>
+          <p:cNvSpPr>
+            <a:spLocks noGrp="1"/>
+          </p:cNvSpPr>
+          <p:nvPr>
+            <p:ph type="subTitle" idx="1"/>
+          </p:nvPr>
+        </p:nvSpPr>
+        <p:spPr>
+          <a:xfrm>
+            <a:off x="363538" y="4771029"/>
+            <a:ext cx="8416925" cy="972671"/>
+          </a:xfrm>
+        </p:spPr>
+        <p:txBody>
+          <a:bodyPr>
+            <a:normAutofit/>
+          </a:bodyPr>
+          <a:lstStyle>
+            <a:lvl1pPr marL="0" indent="0" algn="ctr">
+              <a:spcBef>
+                <a:spcPts val="300"/>
+              </a:spcBef>
+              <a:buNone/>
+              <a:defRPr sz="1800">
+                <a:solidFill>
+                  <a:schemeClr val="tx1">
+                    <a:tint val="75000"/>
+                  </a:schemeClr>
+                </a:solidFill>
+              </a:defRPr>
+            </a:lvl1pPr>
+            <a:lvl2pPr marL="457200" indent="0" algn="ctr">
+              <a:buNone/>
+              <a:defRPr>
+                <a:solidFill>
+                  <a:schemeClr val="tx1">
+                    <a:tint val="75000"/>
+                  </a:schemeClr>
+                </a:solidFill>
+              </a:defRPr>
+            </a:lvl2pPr>
+            <a:lvl3pPr marL="914400" indent="0" algn="ctr">
+              <a:buNone/>
+              <a:defRPr>
+                <a:solidFill>
+                  <a:schemeClr val="tx1">
+                    <a:tint val="75000"/>
+                  </a:schemeClr>
+                </a:solidFill>
+              </a:defRPr>
+            </a:lvl3pPr>
+            <a:lvl4pPr marL="1371600" indent="0" algn="ctr">
+              <a:buNone/>
+              <a:defRPr>
+                <a:solidFill>
+                  <a:schemeClr val="tx1">
+                    <a:tint val="75000"/>
+                  </a:schemeClr>
+                </a:solidFill>
+              </a:defRPr>
+            </a:lvl4pPr>
+            <a:lvl5pPr marL="1828800" indent="0" algn="ctr">
+              <a:buNone/>
+              <a:defRPr>
+                <a:solidFill>
+                  <a:schemeClr val="tx1">
+                    <a:tint val="75000"/>
+                  </a:schemeClr>
+                </a:solidFill>
+              </a:defRPr>
+            </a:lvl5pPr>
+            <a:lvl6pPr marL="2286000" indent="0" algn="ctr">
+              <a:buNone/>
+              <a:defRPr>
+                <a:solidFill>
+                  <a:schemeClr val="tx1">
+                    <a:tint val="75000"/>
+                  </a:schemeClr>
+                </a:solidFill>
+              </a:defRPr>
+            </a:lvl6pPr>
+            <a:lvl7pPr marL="2743200" indent="0" algn="ctr">
+              <a:buNone/>
+              <a:defRPr>
+                <a:solidFill>
+                  <a:schemeClr val="tx1">
+                    <a:tint val="75000"/>
+                  </a:schemeClr>
+                </a:solidFill>
+              </a:defRPr>
+            </a:lvl7pPr>
+            <a:lvl8pPr marL="3200400" indent="0" algn="ctr">
+              <a:buNone/>
+              <a:defRPr>
+                <a:solidFill>
+                  <a:schemeClr val="tx1">
+                    <a:tint val="75000"/>
+                  </a:schemeClr>
+                </a:solidFill>
+              </a:defRPr>
+            </a:lvl8pPr>
+            <a:lvl9pPr marL="3657600" indent="0" algn="ctr">
+              <a:buNone/>
+              <a:defRPr>
+                <a:solidFill>
+                  <a:schemeClr val="tx1">
+                    <a:tint val="75000"/>
+                  </a:schemeClr>
+                </a:solidFill>
+              </a:defRPr>
+            </a:lvl9pPr>
+          </a:lstStyle>
+          <a:p>
+            <a:r>
+              <a:rPr lang="en-US" smtClean="0"/>
+              <a:t>Click to edit Master subtitle style</a:t>
+            </a:r>
+            <a:endParaRPr dirty="0"/>
+          </a:p>
+        </p:txBody>
+      </p:sp>
+      <p:sp>
+        <p:nvSpPr>
+          <p:cNvPr id="4" name="Date Placeholder 3"/>
+          <p:cNvSpPr>
+            <a:spLocks noGrp="1"/>
+          </p:cNvSpPr>
+          <p:nvPr>
+            <p:ph type="dt" sz="half" idx="10"/>
+          </p:nvPr>
+        </p:nvSpPr>
+        <p:spPr/>
+        <p:txBody>
+          <a:bodyPr/>
+          <a:lstStyle/>
+          <a:p>
+            <a:fld id="{B0C4986D-6BE9-4264-908F-02DB36FD8D6C}" type="datetime1">
+              <a:rPr lang="en-US" smtClean="0"/>
+              <a:t>24/11/13</a:t>
+            </a:fld>
+            <a:endParaRPr lang="en-US" dirty="0"/>
+          </a:p>
+        </p:txBody>
+      </p:sp>
+      <p:sp>
+        <p:nvSpPr>
+          <p:cNvPr id="5" name="Footer Placeholder 4"/>
+          <p:cNvSpPr>
+            <a:spLocks noGrp="1"/>
+          </p:cNvSpPr>
+          <p:nvPr>
+            <p:ph type="ftr" sz="quarter" idx="11"/>
+          </p:nvPr>
+        </p:nvSpPr>
+        <p:spPr/>
+        <p:txBody>
+          <a:bodyPr/>
+          <a:lstStyle/>
+          <a:p>
+            <a:r>
+              <a:rPr lang="en-US" smtClean="0"/>
+              <a:t>Footer Text</a:t>
+            </a:r>
+            <a:endParaRPr lang="en-US" dirty="0"/>
+          </a:p>
+        </p:txBody>
+      </p:sp>
+      <p:sp>
+        <p:nvSpPr>
+          <p:cNvPr id="6" name="Slide Number Placeholder 5"/>
+          <p:cNvSpPr>
+            <a:spLocks noGrp="1"/>
+          </p:cNvSpPr>
+          <p:nvPr>
+            <p:ph type="sldNum" sz="quarter" idx="12"/>
+          </p:nvPr>
+        </p:nvSpPr>
+        <p:spPr/>
+        <p:txBody>
+          <a:bodyPr/>
+          <a:lstStyle/>
+          <a:p>
+            <a:fld id="{BA9B540C-44DA-4F69-89C9-7C84606640D3}" type="slidenum">
+              <a:rPr lang="en-US" smtClean="0"/>
+              <a:pPr/>
+              <a:t>‹#›</a:t>
+            </a:fld>
+            <a:endParaRPr lang="en-US" dirty="0"/>
+          </a:p>
+        </p:txBody>
+      </p:sp>
+      <p:sp>
+        <p:nvSpPr>
+          <p:cNvPr id="9" name="Picture Placeholder 2"/>
+          <p:cNvSpPr>
+            <a:spLocks noGrp="1"/>
+          </p:cNvSpPr>
+          <p:nvPr>
+            <p:ph type="pic" idx="13"/>
+          </p:nvPr>
+        </p:nvSpPr>
+        <p:spPr>
+          <a:xfrm>
+            <a:off x="370980" y="363538"/>
+            <a:ext cx="8402040" cy="2836862"/>
+          </a:xfrm>
+          <a:ln w="3175">
+            <a:solidFill>
+              <a:schemeClr val="bg1"/>
+            </a:solidFill>
+          </a:ln>
+          <a:effectLst>
+            <a:outerShdw blurRad="63500" sx="100500" sy="100500" algn="ctr" rotWithShape="0">
+              <a:prstClr val="black">
+                <a:alpha val="50000"/>
+              </a:prstClr>
+            </a:outerShdw>
+          </a:effectLst>
+        </p:spPr>
+        <p:txBody>
+          <a:bodyPr/>
+          <a:lstStyle>
+            <a:lvl1pPr marL="0" indent="0">
+              <a:buNone/>
+              <a:defRPr sz="3200"/>
+            </a:lvl1pPr>
+            <a:lvl2pPr marL="457200" indent="0">
+              <a:buNone/>
+              <a:defRPr sz="2800"/>
+            </a:lvl2pPr>
+            <a:lvl3pPr marL="914400" indent="0">
+              <a:buNone/>
+              <a:defRPr sz="2400"/>
+            </a:lvl3pPr>
+            <a:lvl4pPr marL="1371600" indent="0">
+              <a:buNone/>
+              <a:defRPr sz="2000"/>
+            </a:lvl4pPr>
+            <a:lvl5pPr marL="1828800" indent="0">
+              <a:buNone/>
+              <a:defRPr sz="2000"/>
+            </a:lvl5pPr>
+            <a:lvl6pPr marL="2286000" indent="0">
+              <a:buNone/>
+              <a:defRPr sz="2000"/>
+            </a:lvl6pPr>
+            <a:lvl7pPr marL="2743200" indent="0">
+              <a:buNone/>
+              <a:defRPr sz="2000"/>
+            </a:lvl7pPr>
+            <a:lvl8pPr marL="3200400" indent="0">
+              <a:buNone/>
+              <a:defRPr sz="2000"/>
+            </a:lvl8pPr>
+            <a:lvl9pPr marL="3657600" indent="0">
+              <a:buNone/>
+              <a:defRPr sz="2000"/>
+            </a:lvl9pPr>
+          </a:lstStyle>
+          <a:p>
+            <a:r>
+              <a:rPr lang="en-US" smtClean="0"/>
+              <a:t>Drag picture to placeholder or click icon to add</a:t>
+            </a:r>
+            <a:endParaRPr/>
+          </a:p>
+        </p:txBody>
+      </p:sp>
+    </p:spTree>
+  </p:cSld>
+  <p:clrMapOvr>
+    <a:masterClrMapping/>
+  </p:clrMapOvr>
+  <p:hf sldNum="0" hdr="0" ftr="0" dt="0"/>
+</p:sldLayout>
+</file>
+
+<file path=ppt/slideLayouts/slideLayout4.xml><?xml version="1.0" encoding="utf-8"?>
 <p:sldLayout xmlns:a="http://schemas.openxmlformats.org/drawingml/2006/main" xmlns:r="http://schemas.openxmlformats.org/officeDocument/2006/relationships" xmlns:p="http://schemas.openxmlformats.org/presentationml/2006/main" type="secHead" preserve="1">
   <p:cSld name="Section Header">
     <p:spTree>
@@ -930,36 +1641,15 @@
         </p:nvSpPr>
         <p:spPr>
           <a:xfrm>
-            <a:off x="722313" y="1371600"/>
-            <a:ext cx="7772400" cy="2505075"/>
+            <a:off x="549275" y="2403144"/>
+            <a:ext cx="8056563" cy="1362075"/>
           </a:xfrm>
         </p:spPr>
         <p:txBody>
-          <a:bodyPr anchor="b"/>
+          <a:bodyPr anchor="b" anchorCtr="0"/>
           <a:lstStyle>
-            <a:lvl1pPr algn="ctr" defTabSz="914400" rtl="0" eaLnBrk="1" latinLnBrk="0" hangingPunct="1">
-              <a:lnSpc>
-                <a:spcPct val="100000"/>
-              </a:lnSpc>
-              <a:spcBef>
-                <a:spcPct val="0"/>
-              </a:spcBef>
-              <a:buNone/>
-              <a:defRPr lang="en-US" sz="4800" kern="1200" dirty="0" smtClean="0">
-                <a:solidFill>
-                  <a:schemeClr val="tx2"/>
-                </a:solidFill>
-                <a:effectLst>
-                  <a:outerShdw blurRad="63500" dist="38100" dir="5400000" algn="t" rotWithShape="0">
-                    <a:prstClr val="black">
-                      <a:alpha val="25000"/>
-                    </a:prstClr>
-                  </a:outerShdw>
-                </a:effectLst>
-                <a:latin typeface="+mn-lt"/>
-                <a:ea typeface="+mj-ea"/>
-                <a:cs typeface="+mj-cs"/>
-              </a:defRPr>
+            <a:lvl1pPr algn="ctr">
+              <a:defRPr sz="4600" b="0" cap="none" baseline="0"/>
             </a:lvl1pPr>
           </a:lstStyle>
           <a:p>
@@ -967,7 +1657,7 @@
               <a:rPr lang="en-US" smtClean="0"/>
               <a:t>Click to edit Master title style</a:t>
             </a:r>
-            <a:endParaRPr lang="en-US" dirty="0"/>
+            <a:endParaRPr/>
           </a:p>
         </p:txBody>
       </p:sp>
@@ -983,16 +1673,21 @@
         </p:nvSpPr>
         <p:spPr>
           <a:xfrm>
-            <a:off x="722313" y="4068763"/>
-            <a:ext cx="7772400" cy="1131887"/>
+            <a:off x="549275" y="3736005"/>
+            <a:ext cx="8056563" cy="1500187"/>
           </a:xfrm>
         </p:spPr>
         <p:txBody>
-          <a:bodyPr anchor="t"/>
+          <a:bodyPr anchor="t" anchorCtr="0">
+            <a:normAutofit/>
+          </a:bodyPr>
           <a:lstStyle>
             <a:lvl1pPr marL="0" indent="0" algn="ctr">
-              <a:buNone/>
-              <a:defRPr sz="2000">
+              <a:spcBef>
+                <a:spcPts val="300"/>
+              </a:spcBef>
+              <a:buNone/>
+              <a:defRPr sz="1800">
                 <a:solidFill>
                   <a:schemeClr val="tx1">
                     <a:tint val="75000"/>
@@ -1107,7 +1802,7 @@
           <a:p>
             <a:fld id="{09CAEA93-55E7-4DA9-90C2-089A26EEFEC4}" type="datetime1">
               <a:rPr lang="en-US" smtClean="0"/>
-              <a:t>11/23/13</a:t>
+              <a:t>24/11/13</a:t>
             </a:fld>
             <a:endParaRPr lang="en-US"/>
           </a:p>
@@ -1151,161 +1846,10 @@
           <a:bodyPr/>
           <a:lstStyle/>
           <a:p>
-            <a:fld id="{BA9B540C-44DA-4F69-89C9-7C84606640D3}" type="slidenum">
-              <a:rPr lang="en-US" smtClean="0"/>
-              <a:pPr/>
+            <a:fld id="{57AF16DE-A0D5-4438-950F-5B1E159C2C28}" type="slidenum">
+              <a:rPr lang="en-US" smtClean="0"/>
               <a:t>‹#›</a:t>
             </a:fld>
-            <a:endParaRPr lang="en-US"/>
-          </a:p>
-        </p:txBody>
-      </p:sp>
-      <p:sp>
-        <p:nvSpPr>
-          <p:cNvPr id="7" name="Oval 6"/>
-          <p:cNvSpPr/>
-          <p:nvPr/>
-        </p:nvSpPr>
-        <p:spPr>
-          <a:xfrm>
-            <a:off x="4495800" y="3924300"/>
-            <a:ext cx="84772" cy="84772"/>
-          </a:xfrm>
-          <a:prstGeom prst="ellipse">
-            <a:avLst/>
-          </a:prstGeom>
-          <a:solidFill>
-            <a:schemeClr val="tx1">
-              <a:lumMod val="50000"/>
-              <a:lumOff val="50000"/>
-            </a:schemeClr>
-          </a:solidFill>
-          <a:ln w="12700">
-            <a:noFill/>
-          </a:ln>
-          <a:effectLst/>
-        </p:spPr>
-        <p:style>
-          <a:lnRef idx="2">
-            <a:schemeClr val="accent1">
-              <a:shade val="50000"/>
-            </a:schemeClr>
-          </a:lnRef>
-          <a:fillRef idx="1">
-            <a:schemeClr val="accent1"/>
-          </a:fillRef>
-          <a:effectRef idx="0">
-            <a:schemeClr val="accent1"/>
-          </a:effectRef>
-          <a:fontRef idx="minor">
-            <a:schemeClr val="lt1"/>
-          </a:fontRef>
-        </p:style>
-        <p:txBody>
-          <a:bodyPr rtlCol="0" anchor="ctr"/>
-          <a:lstStyle/>
-          <a:p>
-            <a:pPr algn="ctr"/>
-            <a:endParaRPr lang="en-US"/>
-          </a:p>
-        </p:txBody>
-      </p:sp>
-      <p:sp>
-        <p:nvSpPr>
-          <p:cNvPr id="8" name="Oval 7"/>
-          <p:cNvSpPr/>
-          <p:nvPr/>
-        </p:nvSpPr>
-        <p:spPr>
-          <a:xfrm>
-            <a:off x="4695825" y="3924300"/>
-            <a:ext cx="84772" cy="84772"/>
-          </a:xfrm>
-          <a:prstGeom prst="ellipse">
-            <a:avLst/>
-          </a:prstGeom>
-          <a:solidFill>
-            <a:schemeClr val="tx1">
-              <a:lumMod val="50000"/>
-              <a:lumOff val="50000"/>
-            </a:schemeClr>
-          </a:solidFill>
-          <a:ln w="12700">
-            <a:noFill/>
-          </a:ln>
-          <a:effectLst/>
-        </p:spPr>
-        <p:style>
-          <a:lnRef idx="2">
-            <a:schemeClr val="accent1">
-              <a:shade val="50000"/>
-            </a:schemeClr>
-          </a:lnRef>
-          <a:fillRef idx="1">
-            <a:schemeClr val="accent1"/>
-          </a:fillRef>
-          <a:effectRef idx="0">
-            <a:schemeClr val="accent1"/>
-          </a:effectRef>
-          <a:fontRef idx="minor">
-            <a:schemeClr val="lt1"/>
-          </a:fontRef>
-        </p:style>
-        <p:txBody>
-          <a:bodyPr rtlCol="0" anchor="ctr"/>
-          <a:lstStyle/>
-          <a:p>
-            <a:pPr algn="ctr"/>
-            <a:endParaRPr lang="en-US"/>
-          </a:p>
-        </p:txBody>
-      </p:sp>
-      <p:sp>
-        <p:nvSpPr>
-          <p:cNvPr id="9" name="Oval 8"/>
-          <p:cNvSpPr/>
-          <p:nvPr/>
-        </p:nvSpPr>
-        <p:spPr>
-          <a:xfrm>
-            <a:off x="4296728" y="3924300"/>
-            <a:ext cx="84772" cy="84772"/>
-          </a:xfrm>
-          <a:prstGeom prst="ellipse">
-            <a:avLst/>
-          </a:prstGeom>
-          <a:solidFill>
-            <a:schemeClr val="tx1">
-              <a:lumMod val="50000"/>
-              <a:lumOff val="50000"/>
-            </a:schemeClr>
-          </a:solidFill>
-          <a:ln w="12700">
-            <a:noFill/>
-          </a:ln>
-          <a:effectLst/>
-        </p:spPr>
-        <p:style>
-          <a:lnRef idx="2">
-            <a:schemeClr val="accent1">
-              <a:shade val="50000"/>
-            </a:schemeClr>
-          </a:lnRef>
-          <a:fillRef idx="1">
-            <a:schemeClr val="accent1"/>
-          </a:fillRef>
-          <a:effectRef idx="0">
-            <a:schemeClr val="accent1"/>
-          </a:effectRef>
-          <a:fontRef idx="minor">
-            <a:schemeClr val="lt1"/>
-          </a:fontRef>
-        </p:style>
-        <p:txBody>
-          <a:bodyPr rtlCol="0" anchor="ctr"/>
-          <a:lstStyle/>
-          <a:p>
-            <a:pPr algn="ctr"/>
             <a:endParaRPr lang="en-US"/>
           </a:p>
         </p:txBody>
@@ -1318,7 +1862,7 @@
 </p:sldLayout>
 </file>
 
-<file path=ppt/slideLayouts/slideLayout4.xml><?xml version="1.0" encoding="utf-8"?>
+<file path=ppt/slideLayouts/slideLayout5.xml><?xml version="1.0" encoding="utf-8"?>
 <p:sldLayout xmlns:a="http://schemas.openxmlformats.org/drawingml/2006/main" xmlns:r="http://schemas.openxmlformats.org/officeDocument/2006/relationships" xmlns:p="http://schemas.openxmlformats.org/presentationml/2006/main" type="twoObj" preserve="1">
   <p:cSld name="Two Content">
     <p:spTree>
@@ -1345,64 +1889,74 @@
             <p:ph type="title"/>
           </p:nvPr>
         </p:nvSpPr>
-        <p:spPr/>
-        <p:txBody>
-          <a:bodyPr/>
-          <a:lstStyle/>
-          <a:p>
-            <a:r>
-              <a:rPr lang="en-US" smtClean="0"/>
-              <a:t>Click to edit Master title style</a:t>
-            </a:r>
-            <a:endParaRPr lang="en-US"/>
-          </a:p>
-        </p:txBody>
-      </p:sp>
-      <p:sp>
-        <p:nvSpPr>
-          <p:cNvPr id="4" name="Content Placeholder 3"/>
-          <p:cNvSpPr>
-            <a:spLocks noGrp="1"/>
-          </p:cNvSpPr>
-          <p:nvPr>
-            <p:ph sz="half" idx="2"/>
-          </p:nvPr>
-        </p:nvSpPr>
         <p:spPr>
           <a:xfrm>
-            <a:off x="4648200" y="1600200"/>
-            <a:ext cx="4038600" cy="4525963"/>
+            <a:off x="549275" y="107576"/>
+            <a:ext cx="8042276" cy="1336956"/>
           </a:xfrm>
         </p:spPr>
         <p:txBody>
           <a:bodyPr/>
+          <a:lstStyle/>
+          <a:p>
+            <a:r>
+              <a:rPr lang="en-US" smtClean="0"/>
+              <a:t>Click to edit Master title style</a:t>
+            </a:r>
+            <a:endParaRPr/>
+          </a:p>
+        </p:txBody>
+      </p:sp>
+      <p:sp>
+        <p:nvSpPr>
+          <p:cNvPr id="3" name="Content Placeholder 2"/>
+          <p:cNvSpPr>
+            <a:spLocks noGrp="1"/>
+          </p:cNvSpPr>
+          <p:nvPr>
+            <p:ph sz="half" idx="1"/>
+          </p:nvPr>
+        </p:nvSpPr>
+        <p:spPr>
+          <a:xfrm>
+            <a:off x="549275" y="1600201"/>
+            <a:ext cx="3840480" cy="4343400"/>
+          </a:xfrm>
+        </p:spPr>
+        <p:txBody>
+          <a:bodyPr>
+            <a:normAutofit/>
+          </a:bodyPr>
           <a:lstStyle>
             <a:lvl1pPr>
-              <a:defRPr sz="2400"/>
+              <a:spcBef>
+                <a:spcPts val="1600"/>
+              </a:spcBef>
+              <a:defRPr sz="2000"/>
             </a:lvl1pPr>
             <a:lvl2pPr>
-              <a:defRPr sz="1600"/>
+              <a:defRPr sz="1800"/>
             </a:lvl2pPr>
             <a:lvl3pPr>
-              <a:defRPr sz="1600"/>
+              <a:defRPr sz="1800"/>
             </a:lvl3pPr>
             <a:lvl4pPr>
-              <a:defRPr sz="1600"/>
+              <a:defRPr sz="1800"/>
             </a:lvl4pPr>
             <a:lvl5pPr>
-              <a:defRPr sz="1600"/>
+              <a:defRPr sz="1800"/>
             </a:lvl5pPr>
             <a:lvl6pPr>
-              <a:defRPr sz="1600"/>
+              <a:defRPr sz="1800"/>
             </a:lvl6pPr>
             <a:lvl7pPr>
-              <a:defRPr sz="1600"/>
+              <a:defRPr sz="1800"/>
             </a:lvl7pPr>
             <a:lvl8pPr>
-              <a:defRPr sz="1600"/>
+              <a:defRPr sz="1800"/>
             </a:lvl8pPr>
             <a:lvl9pPr>
-              <a:defRPr sz="1600"/>
+              <a:defRPr sz="1800"/>
             </a:lvl9pPr>
           </a:lstStyle>
           <a:p>
@@ -1439,7 +1993,97 @@
               <a:rPr lang="en-US" smtClean="0"/>
               <a:t>Fifth level</a:t>
             </a:r>
-            <a:endParaRPr lang="en-US" dirty="0" smtClean="0"/>
+            <a:endParaRPr dirty="0"/>
+          </a:p>
+        </p:txBody>
+      </p:sp>
+      <p:sp>
+        <p:nvSpPr>
+          <p:cNvPr id="4" name="Content Placeholder 3"/>
+          <p:cNvSpPr>
+            <a:spLocks noGrp="1"/>
+          </p:cNvSpPr>
+          <p:nvPr>
+            <p:ph sz="half" idx="2"/>
+          </p:nvPr>
+        </p:nvSpPr>
+        <p:spPr>
+          <a:xfrm>
+            <a:off x="4751071" y="1600201"/>
+            <a:ext cx="3840480" cy="4343400"/>
+          </a:xfrm>
+        </p:spPr>
+        <p:txBody>
+          <a:bodyPr>
+            <a:normAutofit/>
+          </a:bodyPr>
+          <a:lstStyle>
+            <a:lvl1pPr>
+              <a:spcBef>
+                <a:spcPts val="1600"/>
+              </a:spcBef>
+              <a:defRPr sz="2000"/>
+            </a:lvl1pPr>
+            <a:lvl2pPr>
+              <a:defRPr sz="1800"/>
+            </a:lvl2pPr>
+            <a:lvl3pPr>
+              <a:defRPr sz="1800"/>
+            </a:lvl3pPr>
+            <a:lvl4pPr>
+              <a:defRPr sz="1800"/>
+            </a:lvl4pPr>
+            <a:lvl5pPr>
+              <a:defRPr sz="1800"/>
+            </a:lvl5pPr>
+            <a:lvl6pPr>
+              <a:defRPr sz="1800"/>
+            </a:lvl6pPr>
+            <a:lvl7pPr>
+              <a:defRPr sz="1800"/>
+            </a:lvl7pPr>
+            <a:lvl8pPr>
+              <a:defRPr sz="1800"/>
+            </a:lvl8pPr>
+            <a:lvl9pPr>
+              <a:defRPr sz="1800"/>
+            </a:lvl9pPr>
+          </a:lstStyle>
+          <a:p>
+            <a:pPr lvl="0"/>
+            <a:r>
+              <a:rPr lang="en-US" smtClean="0"/>
+              <a:t>Click to edit Master text styles</a:t>
+            </a:r>
+          </a:p>
+          <a:p>
+            <a:pPr lvl="1"/>
+            <a:r>
+              <a:rPr lang="en-US" smtClean="0"/>
+              <a:t>Second level</a:t>
+            </a:r>
+          </a:p>
+          <a:p>
+            <a:pPr lvl="2"/>
+            <a:r>
+              <a:rPr lang="en-US" smtClean="0"/>
+              <a:t>Third level</a:t>
+            </a:r>
+          </a:p>
+          <a:p>
+            <a:pPr lvl="3"/>
+            <a:r>
+              <a:rPr lang="en-US" smtClean="0"/>
+              <a:t>Fourth level</a:t>
+            </a:r>
+          </a:p>
+          <a:p>
+            <a:pPr lvl="4"/>
+            <a:r>
+              <a:rPr lang="en-US" smtClean="0"/>
+              <a:t>Fifth level</a:t>
+            </a:r>
+            <a:endParaRPr dirty="0"/>
           </a:p>
         </p:txBody>
       </p:sp>
@@ -1460,7 +2104,7 @@
           <a:p>
             <a:fld id="{E34CF3C7-6809-4F39-BD67-A75817BDDE0A}" type="datetime1">
               <a:rPr lang="en-US" smtClean="0"/>
-              <a:t>11/23/13</a:t>
+              <a:t>24/11/13</a:t>
             </a:fld>
             <a:endParaRPr lang="en-US"/>
           </a:p>
@@ -1509,63 +2153,6 @@
               <a:pPr/>
               <a:t>‹#›</a:t>
             </a:fld>
-            <a:endParaRPr lang="en-US"/>
-          </a:p>
-        </p:txBody>
-      </p:sp>
-      <p:sp>
-        <p:nvSpPr>
-          <p:cNvPr id="9" name="Content Placeholder 8"/>
-          <p:cNvSpPr>
-            <a:spLocks noGrp="1"/>
-          </p:cNvSpPr>
-          <p:nvPr>
-            <p:ph sz="quarter" idx="13"/>
-          </p:nvPr>
-        </p:nvSpPr>
-        <p:spPr>
-          <a:xfrm>
-            <a:off x="365760" y="1600200"/>
-            <a:ext cx="4041648" cy="4526280"/>
-          </a:xfrm>
-        </p:spPr>
-        <p:txBody>
-          <a:bodyPr/>
-          <a:lstStyle/>
-          <a:p>
-            <a:pPr lvl="0"/>
-            <a:r>
-              <a:rPr lang="en-US" smtClean="0"/>
-              <a:t>Click to edit Master text styles</a:t>
-            </a:r>
-          </a:p>
-          <a:p>
-            <a:pPr lvl="1"/>
-            <a:r>
-              <a:rPr lang="en-US" smtClean="0"/>
-              <a:t>Second level</a:t>
-            </a:r>
-          </a:p>
-          <a:p>
-            <a:pPr lvl="2"/>
-            <a:r>
-              <a:rPr lang="en-US" smtClean="0"/>
-              <a:t>Third level</a:t>
-            </a:r>
-          </a:p>
-          <a:p>
-            <a:pPr lvl="3"/>
-            <a:r>
-              <a:rPr lang="en-US" smtClean="0"/>
-              <a:t>Fourth level</a:t>
-            </a:r>
-          </a:p>
-          <a:p>
-            <a:pPr lvl="4"/>
-            <a:r>
-              <a:rPr lang="en-US" smtClean="0"/>
-              <a:t>Fifth level</a:t>
-            </a:r>
             <a:endParaRPr lang="en-US"/>
           </a:p>
         </p:txBody>
@@ -1578,7 +2165,7 @@
 </p:sldLayout>
 </file>
 
-<file path=ppt/slideLayouts/slideLayout5.xml><?xml version="1.0" encoding="utf-8"?>
+<file path=ppt/slideLayouts/slideLayout6.xml><?xml version="1.0" encoding="utf-8"?>
 <p:sldLayout xmlns:a="http://schemas.openxmlformats.org/drawingml/2006/main" xmlns:r="http://schemas.openxmlformats.org/officeDocument/2006/relationships" xmlns:p="http://schemas.openxmlformats.org/presentationml/2006/main" type="twoTxTwoObj" preserve="1">
   <p:cSld name="Comparison">
     <p:spTree>
@@ -1605,7 +2192,12 @@
             <p:ph type="title"/>
           </p:nvPr>
         </p:nvSpPr>
-        <p:spPr/>
+        <p:spPr>
+          <a:xfrm>
+            <a:off x="549274" y="107576"/>
+            <a:ext cx="8042276" cy="1336956"/>
+          </a:xfrm>
+        </p:spPr>
         <p:txBody>
           <a:bodyPr/>
           <a:lstStyle>
@@ -1618,7 +2210,7 @@
               <a:rPr lang="en-US" smtClean="0"/>
               <a:t>Click to edit Master title style</a:t>
             </a:r>
-            <a:endParaRPr lang="en-US"/>
+            <a:endParaRPr/>
           </a:p>
         </p:txBody>
       </p:sp>
@@ -1634,8 +2226,8 @@
         </p:nvSpPr>
         <p:spPr>
           <a:xfrm>
-            <a:off x="457200" y="1600200"/>
-            <a:ext cx="4040188" cy="609600"/>
+            <a:off x="549274" y="1453224"/>
+            <a:ext cx="3840480" cy="750887"/>
           </a:xfrm>
         </p:spPr>
         <p:txBody>
@@ -1644,8 +2236,18 @@
           </a:bodyPr>
           <a:lstStyle>
             <a:lvl1pPr marL="0" indent="0" algn="ctr">
-              <a:buNone/>
-              <a:defRPr sz="2400" b="0"/>
+              <a:spcBef>
+                <a:spcPts val="0"/>
+              </a:spcBef>
+              <a:buNone/>
+              <a:defRPr sz="2400" b="0">
+                <a:solidFill>
+                  <a:schemeClr val="accent1">
+                    <a:lumMod val="60000"/>
+                    <a:lumOff val="40000"/>
+                  </a:schemeClr>
+                </a:solidFill>
+              </a:defRPr>
             </a:lvl1pPr>
             <a:lvl2pPr marL="457200" indent="0">
               <a:buNone/>
@@ -1691,18 +2293,108 @@
       </p:sp>
       <p:sp>
         <p:nvSpPr>
-          <p:cNvPr id="5" name="Text Placeholder 4"/>
-          <p:cNvSpPr>
-            <a:spLocks noGrp="1"/>
-          </p:cNvSpPr>
-          <p:nvPr>
-            <p:ph type="body" sz="quarter" idx="3"/>
+          <p:cNvPr id="4" name="Content Placeholder 3"/>
+          <p:cNvSpPr>
+            <a:spLocks noGrp="1"/>
+          </p:cNvSpPr>
+          <p:nvPr>
+            <p:ph sz="half" idx="2"/>
           </p:nvPr>
         </p:nvSpPr>
         <p:spPr>
           <a:xfrm>
-            <a:off x="4648200" y="1600200"/>
-            <a:ext cx="4041775" cy="609600"/>
+            <a:off x="549274" y="2347415"/>
+            <a:ext cx="3840480" cy="3596185"/>
+          </a:xfrm>
+        </p:spPr>
+        <p:txBody>
+          <a:bodyPr>
+            <a:normAutofit/>
+          </a:bodyPr>
+          <a:lstStyle>
+            <a:lvl1pPr>
+              <a:spcBef>
+                <a:spcPts val="1600"/>
+              </a:spcBef>
+              <a:defRPr sz="2000"/>
+            </a:lvl1pPr>
+            <a:lvl2pPr>
+              <a:defRPr sz="1800"/>
+            </a:lvl2pPr>
+            <a:lvl3pPr>
+              <a:defRPr sz="1800"/>
+            </a:lvl3pPr>
+            <a:lvl4pPr>
+              <a:defRPr sz="1800"/>
+            </a:lvl4pPr>
+            <a:lvl5pPr>
+              <a:defRPr sz="1800"/>
+            </a:lvl5pPr>
+            <a:lvl6pPr>
+              <a:defRPr sz="1600"/>
+            </a:lvl6pPr>
+            <a:lvl7pPr>
+              <a:defRPr sz="1600"/>
+            </a:lvl7pPr>
+            <a:lvl8pPr>
+              <a:defRPr sz="1600"/>
+            </a:lvl8pPr>
+            <a:lvl9pPr>
+              <a:defRPr sz="1600"/>
+            </a:lvl9pPr>
+          </a:lstStyle>
+          <a:p>
+            <a:pPr lvl="0"/>
+            <a:r>
+              <a:rPr lang="en-US" smtClean="0"/>
+              <a:t>Click to edit Master text styles</a:t>
+            </a:r>
+          </a:p>
+          <a:p>
+            <a:pPr lvl="1"/>
+            <a:r>
+              <a:rPr lang="en-US" smtClean="0"/>
+              <a:t>Second level</a:t>
+            </a:r>
+          </a:p>
+          <a:p>
+            <a:pPr lvl="2"/>
+            <a:r>
+              <a:rPr lang="en-US" smtClean="0"/>
+              <a:t>Third level</a:t>
+            </a:r>
+          </a:p>
+          <a:p>
+            <a:pPr lvl="3"/>
+            <a:r>
+              <a:rPr lang="en-US" smtClean="0"/>
+              <a:t>Fourth level</a:t>
+            </a:r>
+          </a:p>
+          <a:p>
+            <a:pPr lvl="4"/>
+            <a:r>
+              <a:rPr lang="en-US" smtClean="0"/>
+              <a:t>Fifth level</a:t>
+            </a:r>
+            <a:endParaRPr dirty="0"/>
+          </a:p>
+        </p:txBody>
+      </p:sp>
+      <p:sp>
+        <p:nvSpPr>
+          <p:cNvPr id="5" name="Text Placeholder 4"/>
+          <p:cNvSpPr>
+            <a:spLocks noGrp="1"/>
+          </p:cNvSpPr>
+          <p:nvPr>
+            <p:ph type="body" sz="quarter" idx="3"/>
+          </p:nvPr>
+        </p:nvSpPr>
+        <p:spPr>
+          <a:xfrm>
+            <a:off x="4751070" y="1453224"/>
+            <a:ext cx="3840480" cy="750887"/>
           </a:xfrm>
         </p:spPr>
         <p:txBody>
@@ -1711,8 +2403,18 @@
           </a:bodyPr>
           <a:lstStyle>
             <a:lvl1pPr marL="0" indent="0" algn="ctr">
-              <a:buNone/>
-              <a:defRPr sz="2400" b="0"/>
+              <a:spcBef>
+                <a:spcPts val="0"/>
+              </a:spcBef>
+              <a:buNone/>
+              <a:defRPr sz="2400" b="0">
+                <a:solidFill>
+                  <a:schemeClr val="accent1">
+                    <a:lumMod val="60000"/>
+                    <a:lumOff val="40000"/>
+                  </a:schemeClr>
+                </a:solidFill>
+              </a:defRPr>
             </a:lvl1pPr>
             <a:lvl2pPr marL="457200" indent="0">
               <a:buNone/>
@@ -1758,6 +2460,96 @@
       </p:sp>
       <p:sp>
         <p:nvSpPr>
+          <p:cNvPr id="6" name="Content Placeholder 5"/>
+          <p:cNvSpPr>
+            <a:spLocks noGrp="1"/>
+          </p:cNvSpPr>
+          <p:nvPr>
+            <p:ph sz="quarter" idx="4"/>
+          </p:nvPr>
+        </p:nvSpPr>
+        <p:spPr>
+          <a:xfrm>
+            <a:off x="4751070" y="2347415"/>
+            <a:ext cx="3840480" cy="3596185"/>
+          </a:xfrm>
+        </p:spPr>
+        <p:txBody>
+          <a:bodyPr>
+            <a:normAutofit/>
+          </a:bodyPr>
+          <a:lstStyle>
+            <a:lvl1pPr>
+              <a:spcBef>
+                <a:spcPts val="1600"/>
+              </a:spcBef>
+              <a:defRPr sz="2000"/>
+            </a:lvl1pPr>
+            <a:lvl2pPr>
+              <a:defRPr sz="1800"/>
+            </a:lvl2pPr>
+            <a:lvl3pPr>
+              <a:defRPr sz="1800"/>
+            </a:lvl3pPr>
+            <a:lvl4pPr>
+              <a:defRPr sz="1800"/>
+            </a:lvl4pPr>
+            <a:lvl5pPr>
+              <a:defRPr sz="1800"/>
+            </a:lvl5pPr>
+            <a:lvl6pPr>
+              <a:defRPr sz="1600"/>
+            </a:lvl6pPr>
+            <a:lvl7pPr>
+              <a:defRPr sz="1600"/>
+            </a:lvl7pPr>
+            <a:lvl8pPr>
+              <a:defRPr sz="1600"/>
+            </a:lvl8pPr>
+            <a:lvl9pPr>
+              <a:defRPr sz="1600"/>
+            </a:lvl9pPr>
+          </a:lstStyle>
+          <a:p>
+            <a:pPr lvl="0"/>
+            <a:r>
+              <a:rPr lang="en-US" smtClean="0"/>
+              <a:t>Click to edit Master text styles</a:t>
+            </a:r>
+          </a:p>
+          <a:p>
+            <a:pPr lvl="1"/>
+            <a:r>
+              <a:rPr lang="en-US" smtClean="0"/>
+              <a:t>Second level</a:t>
+            </a:r>
+          </a:p>
+          <a:p>
+            <a:pPr lvl="2"/>
+            <a:r>
+              <a:rPr lang="en-US" smtClean="0"/>
+              <a:t>Third level</a:t>
+            </a:r>
+          </a:p>
+          <a:p>
+            <a:pPr lvl="3"/>
+            <a:r>
+              <a:rPr lang="en-US" smtClean="0"/>
+              <a:t>Fourth level</a:t>
+            </a:r>
+          </a:p>
+          <a:p>
+            <a:pPr lvl="4"/>
+            <a:r>
+              <a:rPr lang="en-US" smtClean="0"/>
+              <a:t>Fifth level</a:t>
+            </a:r>
+            <a:endParaRPr dirty="0"/>
+          </a:p>
+        </p:txBody>
+      </p:sp>
+      <p:sp>
+        <p:nvSpPr>
           <p:cNvPr id="7" name="Date Placeholder 6"/>
           <p:cNvSpPr>
             <a:spLocks noGrp="1"/>
@@ -1773,7 +2565,7 @@
           <a:p>
             <a:fld id="{F7EAEB24-CE78-465C-A726-91D0868FA48F}" type="datetime1">
               <a:rPr lang="en-US" smtClean="0"/>
-              <a:t>11/23/13</a:t>
+              <a:t>24/11/13</a:t>
             </a:fld>
             <a:endParaRPr lang="en-US"/>
           </a:p>
@@ -1823,120 +2615,6 @@
               <a:t>‹#›</a:t>
             </a:fld>
             <a:endParaRPr lang="en-US"/>
-          </a:p>
-        </p:txBody>
-      </p:sp>
-      <p:sp>
-        <p:nvSpPr>
-          <p:cNvPr id="11" name="Content Placeholder 10"/>
-          <p:cNvSpPr>
-            <a:spLocks noGrp="1"/>
-          </p:cNvSpPr>
-          <p:nvPr>
-            <p:ph sz="quarter" idx="13"/>
-          </p:nvPr>
-        </p:nvSpPr>
-        <p:spPr>
-          <a:xfrm>
-            <a:off x="457200" y="2212848"/>
-            <a:ext cx="4041648" cy="3913632"/>
-          </a:xfrm>
-        </p:spPr>
-        <p:txBody>
-          <a:bodyPr/>
-          <a:lstStyle/>
-          <a:p>
-            <a:pPr lvl="0"/>
-            <a:r>
-              <a:rPr lang="en-US" smtClean="0"/>
-              <a:t>Click to edit Master text styles</a:t>
-            </a:r>
-          </a:p>
-          <a:p>
-            <a:pPr lvl="1"/>
-            <a:r>
-              <a:rPr lang="en-US" smtClean="0"/>
-              <a:t>Second level</a:t>
-            </a:r>
-          </a:p>
-          <a:p>
-            <a:pPr lvl="2"/>
-            <a:r>
-              <a:rPr lang="en-US" smtClean="0"/>
-              <a:t>Third level</a:t>
-            </a:r>
-          </a:p>
-          <a:p>
-            <a:pPr lvl="3"/>
-            <a:r>
-              <a:rPr lang="en-US" smtClean="0"/>
-              <a:t>Fourth level</a:t>
-            </a:r>
-          </a:p>
-          <a:p>
-            <a:pPr lvl="4"/>
-            <a:r>
-              <a:rPr lang="en-US" smtClean="0"/>
-              <a:t>Fifth level</a:t>
-            </a:r>
-            <a:endParaRPr lang="en-US" dirty="0"/>
-          </a:p>
-        </p:txBody>
-      </p:sp>
-      <p:sp>
-        <p:nvSpPr>
-          <p:cNvPr id="13" name="Content Placeholder 12"/>
-          <p:cNvSpPr>
-            <a:spLocks noGrp="1"/>
-          </p:cNvSpPr>
-          <p:nvPr>
-            <p:ph sz="quarter" idx="14"/>
-          </p:nvPr>
-        </p:nvSpPr>
-        <p:spPr>
-          <a:xfrm>
-            <a:off x="4672584" y="2212848"/>
-            <a:ext cx="4041648" cy="3913187"/>
-          </a:xfrm>
-        </p:spPr>
-        <p:txBody>
-          <a:bodyPr/>
-          <a:lstStyle/>
-          <a:p>
-            <a:pPr lvl="0"/>
-            <a:r>
-              <a:rPr lang="en-US" smtClean="0"/>
-              <a:t>Click to edit Master text styles</a:t>
-            </a:r>
-          </a:p>
-          <a:p>
-            <a:pPr lvl="1"/>
-            <a:r>
-              <a:rPr lang="en-US" smtClean="0"/>
-              <a:t>Second level</a:t>
-            </a:r>
-          </a:p>
-          <a:p>
-            <a:pPr lvl="2"/>
-            <a:r>
-              <a:rPr lang="en-US" smtClean="0"/>
-              <a:t>Third level</a:t>
-            </a:r>
-          </a:p>
-          <a:p>
-            <a:pPr lvl="3"/>
-            <a:r>
-              <a:rPr lang="en-US" smtClean="0"/>
-              <a:t>Fourth level</a:t>
-            </a:r>
-          </a:p>
-          <a:p>
-            <a:pPr lvl="4"/>
-            <a:r>
-              <a:rPr lang="en-US" smtClean="0"/>
-              <a:t>Fifth level</a:t>
-            </a:r>
-            <a:endParaRPr lang="en-US" dirty="0"/>
           </a:p>
         </p:txBody>
       </p:sp>
@@ -1948,7 +2626,7 @@
 </p:sldLayout>
 </file>
 
-<file path=ppt/slideLayouts/slideLayout6.xml><?xml version="1.0" encoding="utf-8"?>
+<file path=ppt/slideLayouts/slideLayout7.xml><?xml version="1.0" encoding="utf-8"?>
 <p:sldLayout xmlns:a="http://schemas.openxmlformats.org/drawingml/2006/main" xmlns:r="http://schemas.openxmlformats.org/officeDocument/2006/relationships" xmlns:p="http://schemas.openxmlformats.org/presentationml/2006/main" type="titleOnly" preserve="1">
   <p:cSld name="Title Only">
     <p:spTree>
@@ -1984,7 +2662,7 @@
               <a:rPr lang="en-US" smtClean="0"/>
               <a:t>Click to edit Master title style</a:t>
             </a:r>
-            <a:endParaRPr lang="en-US" dirty="0"/>
+            <a:endParaRPr/>
           </a:p>
         </p:txBody>
       </p:sp>
@@ -2005,7 +2683,7 @@
           <a:p>
             <a:fld id="{40BAADF0-1749-4E8B-9691-B44A5F8C0895}" type="datetime1">
               <a:rPr lang="en-US" smtClean="0"/>
-              <a:t>11/23/13</a:t>
+              <a:t>24/11/13</a:t>
             </a:fld>
             <a:endParaRPr lang="en-US"/>
           </a:p>
@@ -2066,7 +2744,7 @@
 </p:sldLayout>
 </file>
 
-<file path=ppt/slideLayouts/slideLayout7.xml><?xml version="1.0" encoding="utf-8"?>
+<file path=ppt/slideLayouts/slideLayout8.xml><?xml version="1.0" encoding="utf-8"?>
 <p:sldLayout xmlns:a="http://schemas.openxmlformats.org/drawingml/2006/main" xmlns:r="http://schemas.openxmlformats.org/officeDocument/2006/relationships" xmlns:p="http://schemas.openxmlformats.org/presentationml/2006/main" type="blank" preserve="1">
   <p:cSld name="Blank">
     <p:spTree>
@@ -2100,7 +2778,7 @@
           <a:p>
             <a:fld id="{A8AF628A-A867-4937-BBE5-207DB6F9C51A}" type="datetime1">
               <a:rPr lang="en-US" smtClean="0"/>
-              <a:t>11/23/13</a:t>
+              <a:t>24/11/13</a:t>
             </a:fld>
             <a:endParaRPr lang="en-US"/>
           </a:p>
@@ -2161,7 +2839,7 @@
 </p:sldLayout>
 </file>
 
-<file path=ppt/slideLayouts/slideLayout8.xml><?xml version="1.0" encoding="utf-8"?>
+<file path=ppt/slideLayouts/slideLayout9.xml><?xml version="1.0" encoding="utf-8"?>
 <p:sldLayout xmlns:a="http://schemas.openxmlformats.org/drawingml/2006/main" xmlns:r="http://schemas.openxmlformats.org/officeDocument/2006/relationships" xmlns:p="http://schemas.openxmlformats.org/presentationml/2006/main" type="objTx" preserve="1">
   <p:cSld name="Content with Caption">
     <p:spTree>
@@ -2190,26 +2868,15 @@
         </p:nvSpPr>
         <p:spPr>
           <a:xfrm>
-            <a:off x="5907087" y="266700"/>
-            <a:ext cx="3008313" cy="2095500"/>
+            <a:off x="533399" y="611872"/>
+            <a:ext cx="3840480" cy="1162050"/>
           </a:xfrm>
         </p:spPr>
         <p:txBody>
           <a:bodyPr anchor="b"/>
           <a:lstStyle>
             <a:lvl1pPr algn="ctr">
-              <a:lnSpc>
-                <a:spcPct val="100000"/>
-              </a:lnSpc>
-              <a:defRPr sz="2800" b="0">
-                <a:effectLst>
-                  <a:outerShdw blurRad="50800" dist="25400" dir="5400000" algn="t" rotWithShape="0">
-                    <a:prstClr val="black">
-                      <a:alpha val="25000"/>
-                    </a:prstClr>
-                  </a:outerShdw>
-                </a:effectLst>
-              </a:defRPr>
+              <a:defRPr sz="3600" b="0"/>
             </a:lvl1pPr>
           </a:lstStyle>
           <a:p>
@@ -2217,7 +2884,7 @@
               <a:rPr lang="en-US" smtClean="0"/>
               <a:t>Click to edit Master title style</a:t>
             </a:r>
-            <a:endParaRPr lang="en-US" dirty="0"/>
+            <a:endParaRPr/>
           </a:p>
         </p:txBody>
       </p:sp>
@@ -2233,27 +2900,32 @@
         </p:nvSpPr>
         <p:spPr>
           <a:xfrm>
-            <a:off x="719137" y="273050"/>
-            <a:ext cx="4995863" cy="5853113"/>
+            <a:off x="4742824" y="368300"/>
+            <a:ext cx="3840480" cy="5575300"/>
           </a:xfrm>
         </p:spPr>
         <p:txBody>
-          <a:bodyPr/>
+          <a:bodyPr>
+            <a:normAutofit/>
+          </a:bodyPr>
           <a:lstStyle>
             <a:lvl1pPr>
-              <a:defRPr sz="3200"/>
+              <a:spcBef>
+                <a:spcPts val="2000"/>
+              </a:spcBef>
+              <a:defRPr sz="2200"/>
             </a:lvl1pPr>
             <a:lvl2pPr>
-              <a:defRPr sz="2800"/>
+              <a:defRPr sz="2000"/>
             </a:lvl2pPr>
             <a:lvl3pPr>
-              <a:defRPr sz="2400"/>
+              <a:defRPr sz="1800"/>
             </a:lvl3pPr>
             <a:lvl4pPr>
-              <a:defRPr sz="2000"/>
+              <a:defRPr sz="1800"/>
             </a:lvl4pPr>
             <a:lvl5pPr>
-              <a:defRPr sz="2000"/>
+              <a:defRPr sz="1800"/>
             </a:lvl5pPr>
             <a:lvl6pPr>
               <a:defRPr sz="2000"/>
@@ -2302,7 +2974,7 @@
               <a:rPr lang="en-US" smtClean="0"/>
               <a:t>Fifth level</a:t>
             </a:r>
-            <a:endParaRPr lang="en-US" dirty="0"/>
+            <a:endParaRPr dirty="0"/>
           </a:p>
         </p:txBody>
       </p:sp>
@@ -2318,8 +2990,8 @@
         </p:nvSpPr>
         <p:spPr>
           <a:xfrm>
-            <a:off x="5907087" y="2438400"/>
-            <a:ext cx="3008313" cy="3687763"/>
+            <a:off x="533399" y="1787856"/>
+            <a:ext cx="3840480" cy="3720152"/>
           </a:xfrm>
         </p:spPr>
         <p:txBody>
@@ -2328,11 +3000,11 @@
           </a:bodyPr>
           <a:lstStyle>
             <a:lvl1pPr marL="0" indent="0" algn="ctr">
-              <a:lnSpc>
-                <a:spcPct val="125000"/>
-              </a:lnSpc>
-              <a:buNone/>
-              <a:defRPr sz="1600"/>
+              <a:spcBef>
+                <a:spcPts val="600"/>
+              </a:spcBef>
+              <a:buNone/>
+              <a:defRPr sz="1800"/>
             </a:lvl1pPr>
             <a:lvl2pPr marL="457200" indent="0">
               <a:buNone/>
@@ -2393,281 +3065,7 @@
           <a:p>
             <a:fld id="{118BBB94-68E6-4675-A946-F1C5994EDBD7}" type="datetime1">
               <a:rPr lang="en-US" smtClean="0"/>
-              <a:t>11/23/13</a:t>
-            </a:fld>
-            <a:endParaRPr lang="en-US"/>
-          </a:p>
-        </p:txBody>
-      </p:sp>
-      <p:sp>
-        <p:nvSpPr>
-          <p:cNvPr id="6" name="Footer Placeholder 5"/>
-          <p:cNvSpPr>
-            <a:spLocks noGrp="1"/>
-          </p:cNvSpPr>
-          <p:nvPr>
-            <p:ph type="ftr" sz="quarter" idx="11"/>
-          </p:nvPr>
-        </p:nvSpPr>
-        <p:spPr/>
-        <p:txBody>
-          <a:bodyPr/>
-          <a:lstStyle/>
-          <a:p>
-            <a:r>
-              <a:rPr lang="en-US" smtClean="0"/>
-              <a:t>Footer Text</a:t>
-            </a:r>
-            <a:endParaRPr lang="en-US"/>
-          </a:p>
-        </p:txBody>
-      </p:sp>
-      <p:sp>
-        <p:nvSpPr>
-          <p:cNvPr id="7" name="Slide Number Placeholder 6"/>
-          <p:cNvSpPr>
-            <a:spLocks noGrp="1"/>
-          </p:cNvSpPr>
-          <p:nvPr>
-            <p:ph type="sldNum" sz="quarter" idx="12"/>
-          </p:nvPr>
-        </p:nvSpPr>
-        <p:spPr/>
-        <p:txBody>
-          <a:bodyPr/>
-          <a:lstStyle/>
-          <a:p>
-            <a:fld id="{BA9B540C-44DA-4F69-89C9-7C84606640D3}" type="slidenum">
-              <a:rPr lang="en-US" smtClean="0"/>
-              <a:pPr/>
-              <a:t>‹#›</a:t>
-            </a:fld>
-            <a:endParaRPr lang="en-US"/>
-          </a:p>
-        </p:txBody>
-      </p:sp>
-    </p:spTree>
-  </p:cSld>
-  <p:clrMapOvr>
-    <a:masterClrMapping/>
-  </p:clrMapOvr>
-</p:sldLayout>
-</file>
-
-<file path=ppt/slideLayouts/slideLayout9.xml><?xml version="1.0" encoding="utf-8"?>
-<p:sldLayout xmlns:a="http://schemas.openxmlformats.org/drawingml/2006/main" xmlns:r="http://schemas.openxmlformats.org/officeDocument/2006/relationships" xmlns:p="http://schemas.openxmlformats.org/presentationml/2006/main" type="picTx" preserve="1">
-  <p:cSld name="Picture with Caption">
-    <p:spTree>
-      <p:nvGrpSpPr>
-        <p:cNvPr id="1" name=""/>
-        <p:cNvGrpSpPr/>
-        <p:nvPr/>
-      </p:nvGrpSpPr>
-      <p:grpSpPr>
-        <a:xfrm>
-          <a:off x="0" y="0"/>
-          <a:ext cx="0" cy="0"/>
-          <a:chOff x="0" y="0"/>
-          <a:chExt cx="0" cy="0"/>
-        </a:xfrm>
-      </p:grpSpPr>
-      <p:sp>
-        <p:nvSpPr>
-          <p:cNvPr id="2" name="Title 1"/>
-          <p:cNvSpPr>
-            <a:spLocks noGrp="1"/>
-          </p:cNvSpPr>
-          <p:nvPr>
-            <p:ph type="title"/>
-          </p:nvPr>
-        </p:nvSpPr>
-        <p:spPr>
-          <a:xfrm>
-            <a:off x="1679576" y="228600"/>
-            <a:ext cx="5711824" cy="895350"/>
-          </a:xfrm>
-        </p:spPr>
-        <p:txBody>
-          <a:bodyPr anchor="b"/>
-          <a:lstStyle>
-            <a:lvl1pPr algn="ctr">
-              <a:lnSpc>
-                <a:spcPct val="100000"/>
-              </a:lnSpc>
-              <a:defRPr sz="2800" b="0"/>
-            </a:lvl1pPr>
-          </a:lstStyle>
-          <a:p>
-            <a:r>
-              <a:rPr lang="en-US" smtClean="0"/>
-              <a:t>Click to edit Master title style</a:t>
-            </a:r>
-            <a:endParaRPr lang="en-US" dirty="0"/>
-          </a:p>
-        </p:txBody>
-      </p:sp>
-      <p:sp>
-        <p:nvSpPr>
-          <p:cNvPr id="3" name="Picture Placeholder 2"/>
-          <p:cNvSpPr>
-            <a:spLocks noGrp="1"/>
-          </p:cNvSpPr>
-          <p:nvPr>
-            <p:ph type="pic" idx="1"/>
-          </p:nvPr>
-        </p:nvSpPr>
-        <p:spPr>
-          <a:xfrm>
-            <a:off x="1508126" y="1143000"/>
-            <a:ext cx="6054724" cy="4541044"/>
-          </a:xfrm>
-          <a:ln w="76200">
-            <a:solidFill>
-              <a:schemeClr val="bg1"/>
-            </a:solidFill>
-          </a:ln>
-          <a:effectLst>
-            <a:outerShdw blurRad="88900" dist="50800" dir="5400000" algn="ctr" rotWithShape="0">
-              <a:srgbClr val="000000">
-                <a:alpha val="25000"/>
-              </a:srgbClr>
-            </a:outerShdw>
-          </a:effectLst>
-        </p:spPr>
-        <p:txBody>
-          <a:bodyPr anchor="t"/>
-          <a:lstStyle>
-            <a:lvl1pPr marL="0" indent="0" algn="ctr">
-              <a:buNone/>
-              <a:defRPr sz="3200"/>
-            </a:lvl1pPr>
-            <a:lvl2pPr marL="457200" indent="0">
-              <a:buNone/>
-              <a:defRPr sz="2800"/>
-            </a:lvl2pPr>
-            <a:lvl3pPr marL="914400" indent="0">
-              <a:buNone/>
-              <a:defRPr sz="2400"/>
-            </a:lvl3pPr>
-            <a:lvl4pPr marL="1371600" indent="0">
-              <a:buNone/>
-              <a:defRPr sz="2000"/>
-            </a:lvl4pPr>
-            <a:lvl5pPr marL="1828800" indent="0">
-              <a:buNone/>
-              <a:defRPr sz="2000"/>
-            </a:lvl5pPr>
-            <a:lvl6pPr marL="2286000" indent="0">
-              <a:buNone/>
-              <a:defRPr sz="2000"/>
-            </a:lvl6pPr>
-            <a:lvl7pPr marL="2743200" indent="0">
-              <a:buNone/>
-              <a:defRPr sz="2000"/>
-            </a:lvl7pPr>
-            <a:lvl8pPr marL="3200400" indent="0">
-              <a:buNone/>
-              <a:defRPr sz="2000"/>
-            </a:lvl8pPr>
-            <a:lvl9pPr marL="3657600" indent="0">
-              <a:buNone/>
-              <a:defRPr sz="2000"/>
-            </a:lvl9pPr>
-          </a:lstStyle>
-          <a:p>
-            <a:r>
-              <a:rPr lang="en-US" smtClean="0"/>
-              <a:t>Drag picture to placeholder or click icon to add</a:t>
-            </a:r>
-            <a:endParaRPr lang="en-US" dirty="0"/>
-          </a:p>
-        </p:txBody>
-      </p:sp>
-      <p:sp>
-        <p:nvSpPr>
-          <p:cNvPr id="4" name="Text Placeholder 3"/>
-          <p:cNvSpPr>
-            <a:spLocks noGrp="1"/>
-          </p:cNvSpPr>
-          <p:nvPr>
-            <p:ph type="body" sz="half" idx="2"/>
-          </p:nvPr>
-        </p:nvSpPr>
-        <p:spPr>
-          <a:xfrm>
-            <a:off x="1679576" y="5810250"/>
-            <a:ext cx="5711824" cy="533400"/>
-          </a:xfrm>
-        </p:spPr>
-        <p:txBody>
-          <a:bodyPr>
-            <a:normAutofit/>
-          </a:bodyPr>
-          <a:lstStyle>
-            <a:lvl1pPr marL="0" indent="0" algn="ctr">
-              <a:buNone/>
-              <a:defRPr sz="1600"/>
-            </a:lvl1pPr>
-            <a:lvl2pPr marL="457200" indent="0">
-              <a:buNone/>
-              <a:defRPr sz="1200"/>
-            </a:lvl2pPr>
-            <a:lvl3pPr marL="914400" indent="0">
-              <a:buNone/>
-              <a:defRPr sz="1000"/>
-            </a:lvl3pPr>
-            <a:lvl4pPr marL="1371600" indent="0">
-              <a:buNone/>
-              <a:defRPr sz="900"/>
-            </a:lvl4pPr>
-            <a:lvl5pPr marL="1828800" indent="0">
-              <a:buNone/>
-              <a:defRPr sz="900"/>
-            </a:lvl5pPr>
-            <a:lvl6pPr marL="2286000" indent="0">
-              <a:buNone/>
-              <a:defRPr sz="900"/>
-            </a:lvl6pPr>
-            <a:lvl7pPr marL="2743200" indent="0">
-              <a:buNone/>
-              <a:defRPr sz="900"/>
-            </a:lvl7pPr>
-            <a:lvl8pPr marL="3200400" indent="0">
-              <a:buNone/>
-              <a:defRPr sz="900"/>
-            </a:lvl8pPr>
-            <a:lvl9pPr marL="3657600" indent="0">
-              <a:buNone/>
-              <a:defRPr sz="900"/>
-            </a:lvl9pPr>
-          </a:lstStyle>
-          <a:p>
-            <a:pPr lvl="0"/>
-            <a:r>
-              <a:rPr lang="en-US" smtClean="0"/>
-              <a:t>Click to edit Master text styles</a:t>
-            </a:r>
-          </a:p>
-        </p:txBody>
-      </p:sp>
-      <p:sp>
-        <p:nvSpPr>
-          <p:cNvPr id="5" name="Date Placeholder 4"/>
-          <p:cNvSpPr>
-            <a:spLocks noGrp="1"/>
-          </p:cNvSpPr>
-          <p:nvPr>
-            <p:ph type="dt" sz="half" idx="10"/>
-          </p:nvPr>
-        </p:nvSpPr>
-        <p:spPr/>
-        <p:txBody>
-          <a:bodyPr/>
-          <a:lstStyle/>
-          <a:p>
-            <a:fld id="{DC3B8377-21E3-4835-B75D-4E2847E2750F}" type="datetime1">
-              <a:rPr lang="en-US" smtClean="0"/>
-              <a:t>11/23/13</a:t>
+              <a:t>24/11/13</a:t>
             </a:fld>
             <a:endParaRPr lang="en-US"/>
           </a:p>
@@ -2732,8 +3130,8 @@
 <p:sldMaster xmlns:a="http://schemas.openxmlformats.org/drawingml/2006/main" xmlns:r="http://schemas.openxmlformats.org/officeDocument/2006/relationships" xmlns:p="http://schemas.openxmlformats.org/presentationml/2006/main">
   <p:cSld>
     <p:bg>
-      <p:bgRef idx="1002">
-        <a:schemeClr val="bg1"/>
+      <p:bgRef idx="1003">
+        <a:schemeClr val="bg2"/>
       </p:bgRef>
     </p:bg>
     <p:spTree>
@@ -2762,15 +3160,15 @@
         </p:nvSpPr>
         <p:spPr>
           <a:xfrm>
-            <a:off x="457200" y="0"/>
-            <a:ext cx="8229600" cy="1600200"/>
+            <a:off x="549275" y="107576"/>
+            <a:ext cx="8042276" cy="1336956"/>
           </a:xfrm>
           <a:prstGeom prst="rect">
             <a:avLst/>
           </a:prstGeom>
         </p:spPr>
         <p:txBody>
-          <a:bodyPr vert="horz" lIns="91440" tIns="45720" rIns="91440" bIns="45720" rtlCol="0" anchor="b">
+          <a:bodyPr vert="horz" lIns="91440" tIns="45720" rIns="91440" bIns="45720" rtlCol="0" anchor="b" anchorCtr="0">
             <a:noAutofit/>
           </a:bodyPr>
           <a:lstStyle/>
@@ -2779,7 +3177,7 @@
               <a:rPr lang="en-US" smtClean="0"/>
               <a:t>Click to edit Master title style</a:t>
             </a:r>
-            <a:endParaRPr lang="en-US" dirty="0"/>
+            <a:endParaRPr/>
           </a:p>
         </p:txBody>
       </p:sp>
@@ -2795,8 +3193,8 @@
         </p:nvSpPr>
         <p:spPr>
           <a:xfrm>
-            <a:off x="457200" y="1600200"/>
-            <a:ext cx="8229600" cy="4525963"/>
+            <a:off x="549275" y="1600201"/>
+            <a:ext cx="8042276" cy="4343400"/>
           </a:xfrm>
           <a:prstGeom prst="rect">
             <a:avLst/>
@@ -2841,7 +3239,7 @@
               <a:rPr lang="en-US" smtClean="0"/>
               <a:t>Fifth level</a:t>
             </a:r>
-            <a:endParaRPr lang="en-US" dirty="0" smtClean="0"/>
+            <a:endParaRPr dirty="0"/>
           </a:p>
         </p:txBody>
       </p:sp>
@@ -2857,32 +3255,28 @@
         </p:nvSpPr>
         <p:spPr>
           <a:xfrm>
-            <a:off x="6363347" y="6356350"/>
-            <a:ext cx="2085975" cy="365125"/>
+            <a:off x="5629835" y="6275668"/>
+            <a:ext cx="2133600" cy="365125"/>
           </a:xfrm>
           <a:prstGeom prst="rect">
             <a:avLst/>
           </a:prstGeom>
         </p:spPr>
         <p:txBody>
-          <a:bodyPr vert="horz" lIns="91440" tIns="45720" rIns="45720" bIns="45720" rtlCol="0" anchor="ctr"/>
+          <a:bodyPr vert="horz" lIns="91440" tIns="45720" rIns="91440" bIns="45720" rtlCol="0" anchor="ctr"/>
           <a:lstStyle>
             <a:lvl1pPr algn="r">
               <a:defRPr sz="1200">
                 <a:solidFill>
-                  <a:schemeClr val="tx1">
-                    <a:lumMod val="65000"/>
-                    <a:lumOff val="35000"/>
-                  </a:schemeClr>
+                  <a:schemeClr val="bg1"/>
                 </a:solidFill>
-                <a:latin typeface="Century Gothic" pitchFamily="34" charset="0"/>
               </a:defRPr>
             </a:lvl1pPr>
           </a:lstStyle>
           <a:p>
             <a:fld id="{B0C4986D-6BE9-4264-908F-02DB36FD8D6C}" type="datetime1">
               <a:rPr lang="en-US" smtClean="0"/>
-              <a:t>11/23/13</a:t>
+              <a:t>24/11/13</a:t>
             </a:fld>
             <a:endParaRPr lang="en-US" dirty="0"/>
           </a:p>
@@ -2900,25 +3294,21 @@
         </p:nvSpPr>
         <p:spPr>
           <a:xfrm>
-            <a:off x="659165" y="6356350"/>
-            <a:ext cx="2847975" cy="365125"/>
+            <a:off x="264458" y="6275668"/>
+            <a:ext cx="4840941" cy="365125"/>
           </a:xfrm>
           <a:prstGeom prst="rect">
             <a:avLst/>
           </a:prstGeom>
         </p:spPr>
         <p:txBody>
-          <a:bodyPr vert="horz" lIns="45720" tIns="45720" rIns="91440" bIns="45720" rtlCol="0" anchor="ctr"/>
+          <a:bodyPr vert="horz" lIns="91440" tIns="45720" rIns="91440" bIns="45720" rtlCol="0" anchor="ctr"/>
           <a:lstStyle>
             <a:lvl1pPr algn="l">
               <a:defRPr sz="1200">
                 <a:solidFill>
-                  <a:schemeClr val="tx1">
-                    <a:lumMod val="65000"/>
-                    <a:lumOff val="35000"/>
-                  </a:schemeClr>
+                  <a:schemeClr val="bg1"/>
                 </a:solidFill>
-                <a:latin typeface="Century Gothic" pitchFamily="34" charset="0"/>
               </a:defRPr>
             </a:lvl1pPr>
           </a:lstStyle>
@@ -2943,25 +3333,21 @@
         </p:nvSpPr>
         <p:spPr>
           <a:xfrm>
-            <a:off x="8543278" y="6356350"/>
-            <a:ext cx="561975" cy="365125"/>
+            <a:off x="7897906" y="6275668"/>
+            <a:ext cx="990600" cy="365125"/>
           </a:xfrm>
           <a:prstGeom prst="rect">
             <a:avLst/>
           </a:prstGeom>
         </p:spPr>
         <p:txBody>
-          <a:bodyPr vert="horz" lIns="27432" tIns="45720" rIns="45720" bIns="45720" rtlCol="0" anchor="ctr"/>
+          <a:bodyPr vert="horz" lIns="91440" tIns="45720" rIns="91440" bIns="45720" rtlCol="0" anchor="ctr"/>
           <a:lstStyle>
-            <a:lvl1pPr algn="l">
-              <a:defRPr sz="1200">
+            <a:lvl1pPr algn="r">
+              <a:defRPr sz="3600">
                 <a:solidFill>
-                  <a:schemeClr val="tx1">
-                    <a:lumMod val="65000"/>
-                    <a:lumOff val="35000"/>
-                  </a:schemeClr>
+                  <a:schemeClr val="bg1"/>
                 </a:solidFill>
-                <a:latin typeface="Century Gothic" pitchFamily="34" charset="0"/>
               </a:defRPr>
             </a:lvl1pPr>
           </a:lstStyle>
@@ -2975,316 +3361,255 @@
           </a:p>
         </p:txBody>
       </p:sp>
-      <p:sp>
-        <p:nvSpPr>
-          <p:cNvPr id="7" name="Oval 6"/>
-          <p:cNvSpPr/>
-          <p:nvPr/>
-        </p:nvSpPr>
-        <p:spPr>
-          <a:xfrm>
-            <a:off x="8457760" y="6499384"/>
-            <a:ext cx="84772" cy="84772"/>
-          </a:xfrm>
-          <a:prstGeom prst="ellipse">
-            <a:avLst/>
-          </a:prstGeom>
-          <a:solidFill>
-            <a:schemeClr val="tx1">
-              <a:lumMod val="50000"/>
-              <a:lumOff val="50000"/>
-            </a:schemeClr>
-          </a:solidFill>
-          <a:ln w="12700">
-            <a:noFill/>
-          </a:ln>
-          <a:effectLst/>
-        </p:spPr>
-        <p:style>
-          <a:lnRef idx="2">
-            <a:schemeClr val="accent1">
-              <a:shade val="50000"/>
-            </a:schemeClr>
-          </a:lnRef>
-          <a:fillRef idx="1">
-            <a:schemeClr val="accent1"/>
-          </a:fillRef>
-          <a:effectRef idx="0">
-            <a:schemeClr val="accent1"/>
-          </a:effectRef>
-          <a:fontRef idx="minor">
-            <a:schemeClr val="lt1"/>
-          </a:fontRef>
-        </p:style>
-        <p:txBody>
-          <a:bodyPr rtlCol="0" anchor="ctr"/>
-          <a:lstStyle/>
-          <a:p>
-            <a:pPr marL="0" algn="ctr" defTabSz="914400" rtl="0" eaLnBrk="1" latinLnBrk="0" hangingPunct="1"/>
-            <a:endParaRPr lang="en-US" sz="1800" kern="1200">
-              <a:solidFill>
-                <a:schemeClr val="lt1"/>
-              </a:solidFill>
-              <a:latin typeface="+mn-lt"/>
-              <a:ea typeface="+mn-ea"/>
-              <a:cs typeface="+mn-cs"/>
-            </a:endParaRPr>
-          </a:p>
-        </p:txBody>
-      </p:sp>
-      <p:sp>
-        <p:nvSpPr>
-          <p:cNvPr id="8" name="Oval 7"/>
-          <p:cNvSpPr/>
-          <p:nvPr/>
-        </p:nvSpPr>
-        <p:spPr>
-          <a:xfrm>
-            <a:off x="569119" y="6499384"/>
-            <a:ext cx="84772" cy="84772"/>
-          </a:xfrm>
-          <a:prstGeom prst="ellipse">
-            <a:avLst/>
-          </a:prstGeom>
-          <a:solidFill>
-            <a:schemeClr val="tx1">
-              <a:lumMod val="50000"/>
-              <a:lumOff val="50000"/>
-            </a:schemeClr>
-          </a:solidFill>
-          <a:ln w="12700">
-            <a:noFill/>
-          </a:ln>
-          <a:effectLst/>
-        </p:spPr>
-        <p:style>
-          <a:lnRef idx="2">
-            <a:schemeClr val="accent1">
-              <a:shade val="50000"/>
-            </a:schemeClr>
-          </a:lnRef>
-          <a:fillRef idx="1">
-            <a:schemeClr val="accent1"/>
-          </a:fillRef>
-          <a:effectRef idx="0">
-            <a:schemeClr val="accent1"/>
-          </a:effectRef>
-          <a:fontRef idx="minor">
-            <a:schemeClr val="lt1"/>
-          </a:fontRef>
-        </p:style>
-        <p:txBody>
-          <a:bodyPr rtlCol="0" anchor="ctr"/>
-          <a:lstStyle/>
-          <a:p>
-            <a:pPr algn="ctr"/>
-            <a:endParaRPr lang="en-US"/>
-          </a:p>
-        </p:txBody>
-      </p:sp>
     </p:spTree>
   </p:cSld>
   <p:clrMap bg1="lt1" tx1="dk1" bg2="lt2" tx2="dk2" accent1="accent1" accent2="accent2" accent3="accent3" accent4="accent4" accent5="accent5" accent6="accent6" hlink="hlink" folHlink="folHlink"/>
   <p:sldLayoutIdLst>
-    <p:sldLayoutId id="2147483649" r:id="rId1"/>
-    <p:sldLayoutId id="2147483650" r:id="rId2"/>
-    <p:sldLayoutId id="2147483651" r:id="rId3"/>
-    <p:sldLayoutId id="2147483652" r:id="rId4"/>
-    <p:sldLayoutId id="2147483653" r:id="rId5"/>
-    <p:sldLayoutId id="2147483654" r:id="rId6"/>
-    <p:sldLayoutId id="2147483655" r:id="rId7"/>
-    <p:sldLayoutId id="2147483656" r:id="rId8"/>
-    <p:sldLayoutId id="2147483657" r:id="rId9"/>
-    <p:sldLayoutId id="2147483658" r:id="rId10"/>
-    <p:sldLayoutId id="2147483659" r:id="rId11"/>
+    <p:sldLayoutId id="2147483918" r:id="rId1"/>
+    <p:sldLayoutId id="2147483919" r:id="rId2"/>
+    <p:sldLayoutId id="2147483920" r:id="rId3"/>
+    <p:sldLayoutId id="2147483921" r:id="rId4"/>
+    <p:sldLayoutId id="2147483922" r:id="rId5"/>
+    <p:sldLayoutId id="2147483923" r:id="rId6"/>
+    <p:sldLayoutId id="2147483924" r:id="rId7"/>
+    <p:sldLayoutId id="2147483925" r:id="rId8"/>
+    <p:sldLayoutId id="2147483926" r:id="rId9"/>
+    <p:sldLayoutId id="2147483927" r:id="rId10"/>
+    <p:sldLayoutId id="2147483928" r:id="rId11"/>
+    <p:sldLayoutId id="2147483929" r:id="rId12"/>
   </p:sldLayoutIdLst>
   <p:hf sldNum="0" hdr="0" ftr="0" dt="0"/>
   <p:txStyles>
     <p:titleStyle>
       <a:lvl1pPr algn="ctr" defTabSz="914400" rtl="0" eaLnBrk="1" latinLnBrk="0" hangingPunct="1">
-        <a:lnSpc>
-          <a:spcPts val="5800"/>
-        </a:lnSpc>
         <a:spcBef>
           <a:spcPct val="0"/>
         </a:spcBef>
         <a:buNone/>
-        <a:defRPr sz="5400" kern="1200">
+        <a:defRPr sz="4600" kern="1200">
           <a:solidFill>
-            <a:schemeClr val="tx2"/>
+            <a:schemeClr val="accent1"/>
           </a:solidFill>
-          <a:effectLst>
-            <a:outerShdw blurRad="63500" dist="38100" dir="5400000" algn="t" rotWithShape="0">
-              <a:prstClr val="black">
-                <a:alpha val="25000"/>
-              </a:prstClr>
-            </a:outerShdw>
-          </a:effectLst>
-          <a:latin typeface="+mn-lt"/>
+          <a:latin typeface="+mj-lt"/>
           <a:ea typeface="+mj-ea"/>
           <a:cs typeface="+mj-cs"/>
         </a:defRPr>
       </a:lvl1pPr>
     </p:titleStyle>
     <p:bodyStyle>
-      <a:lvl1pPr marL="342900" indent="-342900" algn="l" defTabSz="914400" rtl="0" eaLnBrk="1" latinLnBrk="0" hangingPunct="1">
+      <a:lvl1pPr marL="349250" indent="-349250" algn="l" defTabSz="914400" rtl="0" eaLnBrk="1" latinLnBrk="0" hangingPunct="1">
         <a:spcBef>
-          <a:spcPct val="20000"/>
+          <a:spcPts val="2000"/>
         </a:spcBef>
-        <a:buFont typeface="Arial" pitchFamily="34" charset="0"/>
-        <a:buChar char="•"/>
+        <a:buClr>
+          <a:schemeClr val="accent1">
+            <a:lumMod val="60000"/>
+            <a:lumOff val="40000"/>
+          </a:schemeClr>
+        </a:buClr>
+        <a:buSzPct val="110000"/>
+        <a:buFont typeface="Wingdings 2" pitchFamily="18" charset="2"/>
+        <a:buChar char=""/>
         <a:defRPr sz="2400" kern="1200">
           <a:solidFill>
             <a:schemeClr val="tx1">
-              <a:lumMod val="50000"/>
-              <a:lumOff val="50000"/>
+              <a:lumMod val="65000"/>
+              <a:lumOff val="35000"/>
             </a:schemeClr>
           </a:solidFill>
-          <a:latin typeface="+mj-lt"/>
+          <a:latin typeface="+mn-lt"/>
           <a:ea typeface="+mn-ea"/>
           <a:cs typeface="+mn-cs"/>
         </a:defRPr>
       </a:lvl1pPr>
-      <a:lvl2pPr marL="742950" indent="-285750" algn="l" defTabSz="914400" rtl="0" eaLnBrk="1" latinLnBrk="0" hangingPunct="1">
+      <a:lvl2pPr marL="685800" indent="-336550" algn="l" defTabSz="914400" rtl="0" eaLnBrk="1" latinLnBrk="0" hangingPunct="1">
         <a:spcBef>
-          <a:spcPct val="20000"/>
+          <a:spcPts val="600"/>
         </a:spcBef>
-        <a:buFont typeface="Courier New" pitchFamily="49" charset="0"/>
-        <a:buChar char="o"/>
-        <a:defRPr sz="1600" kern="1200">
+        <a:buClr>
+          <a:schemeClr val="accent1">
+            <a:lumMod val="75000"/>
+          </a:schemeClr>
+        </a:buClr>
+        <a:buSzPct val="110000"/>
+        <a:buFont typeface="Wingdings 2" pitchFamily="18" charset="2"/>
+        <a:buChar char=""/>
+        <a:defRPr sz="2200" kern="1200">
           <a:solidFill>
             <a:schemeClr val="tx1">
-              <a:lumMod val="50000"/>
-              <a:lumOff val="50000"/>
+              <a:lumMod val="65000"/>
+              <a:lumOff val="35000"/>
             </a:schemeClr>
           </a:solidFill>
-          <a:latin typeface="+mj-lt"/>
+          <a:latin typeface="+mn-lt"/>
           <a:ea typeface="+mn-ea"/>
           <a:cs typeface="+mn-cs"/>
         </a:defRPr>
       </a:lvl2pPr>
-      <a:lvl3pPr marL="1143000" indent="-228600" algn="l" defTabSz="914400" rtl="0" eaLnBrk="1" latinLnBrk="0" hangingPunct="1">
+      <a:lvl3pPr marL="968375" indent="-282575" algn="l" defTabSz="914400" rtl="0" eaLnBrk="1" latinLnBrk="0" hangingPunct="1">
         <a:spcBef>
-          <a:spcPct val="20000"/>
+          <a:spcPts val="600"/>
         </a:spcBef>
-        <a:buFont typeface="Arial" pitchFamily="34" charset="0"/>
-        <a:buChar char="•"/>
-        <a:defRPr sz="1600" kern="1200">
+        <a:buClr>
+          <a:schemeClr val="accent1">
+            <a:lumMod val="60000"/>
+            <a:lumOff val="40000"/>
+          </a:schemeClr>
+        </a:buClr>
+        <a:buSzPct val="110000"/>
+        <a:buFont typeface="Wingdings 2" pitchFamily="18" charset="2"/>
+        <a:buChar char=""/>
+        <a:defRPr sz="2000" kern="1200">
           <a:solidFill>
             <a:schemeClr val="tx1">
-              <a:lumMod val="50000"/>
-              <a:lumOff val="50000"/>
+              <a:lumMod val="65000"/>
+              <a:lumOff val="35000"/>
             </a:schemeClr>
           </a:solidFill>
-          <a:latin typeface="+mj-lt"/>
+          <a:latin typeface="+mn-lt"/>
           <a:ea typeface="+mn-ea"/>
           <a:cs typeface="+mn-cs"/>
         </a:defRPr>
       </a:lvl3pPr>
-      <a:lvl4pPr marL="1600200" indent="-228600" algn="l" defTabSz="914400" rtl="0" eaLnBrk="1" latinLnBrk="0" hangingPunct="1">
+      <a:lvl4pPr marL="1263650" indent="-295275" algn="l" defTabSz="914400" rtl="0" eaLnBrk="1" latinLnBrk="0" hangingPunct="1">
         <a:spcBef>
-          <a:spcPct val="20000"/>
+          <a:spcPts val="600"/>
         </a:spcBef>
-        <a:buFont typeface="Courier New" pitchFamily="49" charset="0"/>
-        <a:buChar char="o"/>
-        <a:defRPr sz="1600" kern="1200">
+        <a:buClr>
+          <a:schemeClr val="accent1">
+            <a:lumMod val="75000"/>
+          </a:schemeClr>
+        </a:buClr>
+        <a:buSzPct val="110000"/>
+        <a:buFont typeface="Wingdings 2" pitchFamily="18" charset="2"/>
+        <a:buChar char=""/>
+        <a:defRPr sz="1800" kern="1200">
           <a:solidFill>
             <a:schemeClr val="tx1">
-              <a:lumMod val="50000"/>
-              <a:lumOff val="50000"/>
+              <a:lumMod val="65000"/>
+              <a:lumOff val="35000"/>
             </a:schemeClr>
           </a:solidFill>
-          <a:latin typeface="+mj-lt"/>
+          <a:latin typeface="+mn-lt"/>
           <a:ea typeface="+mn-ea"/>
           <a:cs typeface="+mn-cs"/>
         </a:defRPr>
       </a:lvl4pPr>
-      <a:lvl5pPr marL="2057400" indent="-228600" algn="l" defTabSz="914400" rtl="0" eaLnBrk="1" latinLnBrk="0" hangingPunct="1">
+      <a:lvl5pPr marL="1546225" indent="-282575" algn="l" defTabSz="914400" rtl="0" eaLnBrk="1" latinLnBrk="0" hangingPunct="1">
         <a:spcBef>
-          <a:spcPct val="20000"/>
+          <a:spcPts val="600"/>
         </a:spcBef>
-        <a:buFont typeface="Arial" pitchFamily="34" charset="0"/>
-        <a:buChar char="•"/>
-        <a:defRPr sz="1600" kern="1200">
+        <a:buClr>
+          <a:schemeClr val="accent1">
+            <a:lumMod val="60000"/>
+            <a:lumOff val="40000"/>
+          </a:schemeClr>
+        </a:buClr>
+        <a:buSzPct val="110000"/>
+        <a:buFont typeface="Wingdings 2" pitchFamily="18" charset="2"/>
+        <a:buChar char=""/>
+        <a:defRPr sz="1800" kern="1200">
           <a:solidFill>
             <a:schemeClr val="tx1">
-              <a:lumMod val="50000"/>
-              <a:lumOff val="50000"/>
+              <a:lumMod val="65000"/>
+              <a:lumOff val="35000"/>
             </a:schemeClr>
           </a:solidFill>
-          <a:latin typeface="+mj-lt"/>
+          <a:latin typeface="+mn-lt"/>
           <a:ea typeface="+mn-ea"/>
           <a:cs typeface="+mn-cs"/>
         </a:defRPr>
       </a:lvl5pPr>
-      <a:lvl6pPr marL="2514600" indent="-228600" algn="l" defTabSz="914400" rtl="0" eaLnBrk="1" latinLnBrk="0" hangingPunct="1">
+      <a:lvl6pPr marL="1828800" indent="-282575" algn="l" defTabSz="914400" rtl="0" eaLnBrk="1" latinLnBrk="0" hangingPunct="1">
         <a:spcBef>
           <a:spcPct val="20000"/>
         </a:spcBef>
-        <a:buFont typeface="Courier New" pitchFamily="49" charset="0"/>
-        <a:buChar char="o"/>
-        <a:defRPr sz="1600" kern="1200">
+        <a:buClr>
+          <a:schemeClr val="accent2"/>
+        </a:buClr>
+        <a:buSzPct val="110000"/>
+        <a:buFont typeface="Wingdings 2" pitchFamily="18" charset="2"/>
+        <a:buChar char=""/>
+        <a:defRPr lang="en-US" sz="1800" kern="1200" dirty="0" smtClean="0">
           <a:solidFill>
             <a:schemeClr val="tx1">
-              <a:lumMod val="50000"/>
-              <a:lumOff val="50000"/>
+              <a:lumMod val="65000"/>
+              <a:lumOff val="35000"/>
             </a:schemeClr>
           </a:solidFill>
-          <a:latin typeface="+mj-lt"/>
+          <a:latin typeface="+mn-lt"/>
           <a:ea typeface="+mn-ea"/>
           <a:cs typeface="+mn-cs"/>
         </a:defRPr>
       </a:lvl6pPr>
-      <a:lvl7pPr marL="2971800" indent="-228600" algn="l" defTabSz="914400" rtl="0" eaLnBrk="1" latinLnBrk="0" hangingPunct="1">
+      <a:lvl7pPr marL="2117725" indent="-282575" algn="l" defTabSz="914400" rtl="0" eaLnBrk="1" latinLnBrk="0" hangingPunct="1">
         <a:spcBef>
           <a:spcPct val="20000"/>
         </a:spcBef>
-        <a:buFont typeface="Arial" pitchFamily="34" charset="0"/>
-        <a:buChar char="•"/>
-        <a:defRPr sz="1600" kern="1200">
+        <a:buClr>
+          <a:schemeClr val="accent1">
+            <a:lumMod val="60000"/>
+            <a:lumOff val="40000"/>
+          </a:schemeClr>
+        </a:buClr>
+        <a:buSzPct val="110000"/>
+        <a:buFont typeface="Wingdings 2" pitchFamily="18" charset="2"/>
+        <a:buChar char=""/>
+        <a:defRPr lang="en-US" sz="1800" kern="1200" dirty="0" smtClean="0">
           <a:solidFill>
             <a:schemeClr val="tx1">
-              <a:lumMod val="50000"/>
-              <a:lumOff val="50000"/>
+              <a:lumMod val="65000"/>
+              <a:lumOff val="35000"/>
             </a:schemeClr>
           </a:solidFill>
-          <a:latin typeface="+mj-lt"/>
+          <a:latin typeface="+mn-lt"/>
           <a:ea typeface="+mn-ea"/>
           <a:cs typeface="+mn-cs"/>
         </a:defRPr>
       </a:lvl7pPr>
-      <a:lvl8pPr marL="3429000" indent="-228600" algn="l" defTabSz="914400" rtl="0" eaLnBrk="1" latinLnBrk="0" hangingPunct="1">
+      <a:lvl8pPr marL="2398713" indent="-282575" algn="l" defTabSz="914400" rtl="0" eaLnBrk="1" latinLnBrk="0" hangingPunct="1">
         <a:spcBef>
           <a:spcPct val="20000"/>
         </a:spcBef>
-        <a:buFont typeface="Courier New" pitchFamily="49" charset="0"/>
-        <a:buChar char="o"/>
-        <a:defRPr sz="1600" kern="1200">
+        <a:buClr>
+          <a:schemeClr val="accent2"/>
+        </a:buClr>
+        <a:buSzPct val="110000"/>
+        <a:buFont typeface="Wingdings 2" pitchFamily="18" charset="2"/>
+        <a:buChar char=""/>
+        <a:defRPr lang="en-US" sz="1800" kern="1200" dirty="0" smtClean="0">
           <a:solidFill>
             <a:schemeClr val="tx1">
-              <a:lumMod val="50000"/>
-              <a:lumOff val="50000"/>
+              <a:lumMod val="65000"/>
+              <a:lumOff val="35000"/>
             </a:schemeClr>
           </a:solidFill>
-          <a:latin typeface="+mj-lt"/>
+          <a:latin typeface="+mn-lt"/>
           <a:ea typeface="+mn-ea"/>
           <a:cs typeface="+mn-cs"/>
         </a:defRPr>
       </a:lvl8pPr>
-      <a:lvl9pPr marL="3886200" indent="-228600" algn="l" defTabSz="914400" rtl="0" eaLnBrk="1" latinLnBrk="0" hangingPunct="1">
+      <a:lvl9pPr marL="2689225" indent="-282575" algn="l" defTabSz="914400" rtl="0" eaLnBrk="1" latinLnBrk="0" hangingPunct="1">
         <a:spcBef>
           <a:spcPct val="20000"/>
         </a:spcBef>
-        <a:buFont typeface="Arial" pitchFamily="34" charset="0"/>
-        <a:buChar char="•"/>
-        <a:defRPr sz="1600" kern="1200">
+        <a:buClr>
+          <a:schemeClr val="accent1">
+            <a:lumMod val="60000"/>
+            <a:lumOff val="40000"/>
+          </a:schemeClr>
+        </a:buClr>
+        <a:buSzPct val="110000"/>
+        <a:buFont typeface="Wingdings 2" pitchFamily="18" charset="2"/>
+        <a:buChar char=""/>
+        <a:defRPr lang="en-US" sz="1800" kern="1200" dirty="0">
           <a:solidFill>
             <a:schemeClr val="tx1">
-              <a:lumMod val="50000"/>
-              <a:lumOff val="50000"/>
+              <a:lumMod val="65000"/>
+              <a:lumOff val="35000"/>
             </a:schemeClr>
           </a:solidFill>
-          <a:latin typeface="+mj-lt"/>
+          <a:latin typeface="+mn-lt"/>
           <a:ea typeface="+mn-ea"/>
           <a:cs typeface="+mn-cs"/>
         </a:defRPr>
@@ -3292,7 +3617,7 @@
     </p:bodyStyle>
     <p:otherStyle>
       <a:defPPr>
-        <a:defRPr lang="en-US"/>
+        <a:defRPr/>
       </a:defPPr>
       <a:lvl1pPr marL="0" algn="l" defTabSz="914400" rtl="0" eaLnBrk="1" latinLnBrk="0" hangingPunct="1">
         <a:defRPr sz="1800" kern="1200">
@@ -3416,7 +3741,12 @@
             <p:ph type="ctrTitle"/>
           </p:nvPr>
         </p:nvSpPr>
-        <p:spPr/>
+        <p:spPr>
+          <a:xfrm>
+            <a:off x="862651" y="98973"/>
+            <a:ext cx="7772400" cy="2583928"/>
+          </a:xfrm>
+        </p:spPr>
         <p:txBody>
           <a:bodyPr/>
           <a:lstStyle/>
@@ -3439,15 +3769,94 @@
             <p:ph type="subTitle" idx="1"/>
           </p:nvPr>
         </p:nvSpPr>
-        <p:spPr/>
-        <p:txBody>
-          <a:bodyPr/>
-          <a:lstStyle/>
+        <p:spPr>
+          <a:xfrm>
+            <a:off x="263042" y="2744292"/>
+            <a:ext cx="8633544" cy="3058786"/>
+          </a:xfrm>
+        </p:spPr>
+        <p:txBody>
+          <a:bodyPr>
+            <a:normAutofit/>
+          </a:bodyPr>
+          <a:lstStyle/>
+          <a:p>
+            <a:r>
+              <a:rPr lang="en-US" dirty="0" smtClean="0"/>
+              <a:t>(Yes: The first thing that may change is the name)</a:t>
+            </a:r>
+          </a:p>
+          <a:p>
+            <a:endParaRPr lang="en-US" dirty="0" smtClean="0"/>
+          </a:p>
           <a:p>
             <a:endParaRPr lang="en-US" dirty="0"/>
           </a:p>
-        </p:txBody>
-      </p:sp>
+          <a:p>
+            <a:r>
+              <a:rPr lang="en-US" sz="2000" dirty="0" smtClean="0"/>
+              <a:t>Mohamed </a:t>
+            </a:r>
+            <a:r>
+              <a:rPr lang="en-US" sz="2000" dirty="0" err="1" smtClean="0"/>
+              <a:t>Emad</a:t>
+            </a:r>
+            <a:endParaRPr lang="en-US" sz="2000" dirty="0" smtClean="0"/>
+          </a:p>
+          <a:p>
+            <a:r>
+              <a:rPr lang="en-US" sz="2000" dirty="0" smtClean="0"/>
+              <a:t>Mohamed </a:t>
+            </a:r>
+            <a:r>
+              <a:rPr lang="en-US" sz="2000" dirty="0" err="1" smtClean="0"/>
+              <a:t>Edal</a:t>
+            </a:r>
+            <a:endParaRPr lang="en-US" sz="2000" dirty="0" smtClean="0"/>
+          </a:p>
+          <a:p>
+            <a:r>
+              <a:rPr lang="en-US" sz="2000" dirty="0" smtClean="0"/>
+              <a:t>Ravi Kanth </a:t>
+            </a:r>
+            <a:r>
+              <a:rPr lang="en-US" sz="2000" dirty="0" err="1" smtClean="0"/>
+              <a:t>Kosuru</a:t>
+            </a:r>
+            <a:endParaRPr lang="en-US" sz="2000" dirty="0"/>
+          </a:p>
+        </p:txBody>
+      </p:sp>
+      <p:pic>
+        <p:nvPicPr>
+          <p:cNvPr id="5" name="Picture 4" descr="logo-rwth.png"/>
+          <p:cNvPicPr>
+            <a:picLocks noChangeAspect="1"/>
+          </p:cNvPicPr>
+          <p:nvPr/>
+        </p:nvPicPr>
+        <p:blipFill>
+          <a:blip r:embed="rId2">
+            <a:extLst>
+              <a:ext uri="{28A0092B-C50C-407E-A947-70E740481C1C}">
+                <a14:useLocalDpi xmlns:a14="http://schemas.microsoft.com/office/drawing/2010/main" val="0"/>
+              </a:ext>
+            </a:extLst>
+          </a:blip>
+          <a:stretch>
+            <a:fillRect/>
+          </a:stretch>
+        </p:blipFill>
+        <p:spPr>
+          <a:xfrm>
+            <a:off x="6679954" y="5658978"/>
+            <a:ext cx="2464046" cy="1199022"/>
+          </a:xfrm>
+          <a:prstGeom prst="rect">
+            <a:avLst/>
+          </a:prstGeom>
+        </p:spPr>
+      </p:pic>
     </p:spTree>
     <p:extLst>
       <p:ext uri="{BB962C8B-B14F-4D97-AF65-F5344CB8AC3E}">
@@ -3458,6 +3867,13 @@
   <p:clrMapOvr>
     <a:masterClrMapping/>
   </p:clrMapOvr>
+  <p:timing>
+    <p:tnLst>
+      <p:par>
+        <p:cTn xmlns:p14="http://schemas.microsoft.com/office/powerpoint/2010/main" id="1" dur="indefinite" restart="never" nodeType="tmRoot"/>
+      </p:par>
+    </p:tnLst>
+  </p:timing>
 </p:sld>
 </file>
 
@@ -3519,7 +3935,7 @@
               </a:ext>
             </a:extLst>
           </a:blip>
-          <a:srcRect l="-50462" r="-50462"/>
+          <a:srcRect t="25562" b="25562"/>
           <a:stretch>
             <a:fillRect/>
           </a:stretch>
@@ -3536,6 +3952,13 @@
   <p:clrMapOvr>
     <a:masterClrMapping/>
   </p:clrMapOvr>
+  <p:timing>
+    <p:tnLst>
+      <p:par>
+        <p:cTn xmlns:p14="http://schemas.microsoft.com/office/powerpoint/2010/main" id="1" dur="indefinite" restart="never" nodeType="tmRoot"/>
+      </p:par>
+    </p:tnLst>
+  </p:timing>
 </p:sld>
 </file>
 
@@ -3579,25 +4002,34 @@
           </a:p>
         </p:txBody>
       </p:sp>
-      <p:sp>
-        <p:nvSpPr>
-          <p:cNvPr id="3" name="Content Placeholder 2"/>
-          <p:cNvSpPr>
-            <a:spLocks noGrp="1"/>
-          </p:cNvSpPr>
+      <p:pic>
+        <p:nvPicPr>
+          <p:cNvPr id="6" name="Content Placeholder 5" descr="photo.JPG"/>
+          <p:cNvPicPr>
+            <a:picLocks noGrp="1" noChangeAspect="1"/>
+          </p:cNvPicPr>
           <p:nvPr>
             <p:ph idx="1"/>
           </p:nvPr>
-        </p:nvSpPr>
-        <p:spPr/>
-        <p:txBody>
-          <a:bodyPr/>
-          <a:lstStyle/>
-          <a:p>
-            <a:endParaRPr lang="en-US" dirty="0"/>
-          </a:p>
-        </p:txBody>
-      </p:sp>
+        </p:nvPicPr>
+        <p:blipFill rotWithShape="1">
+          <a:blip r:embed="rId2">
+            <a:extLst>
+              <a:ext uri="{28A0092B-C50C-407E-A947-70E740481C1C}">
+                <a14:useLocalDpi xmlns:a14="http://schemas.microsoft.com/office/drawing/2010/main" val="0"/>
+              </a:ext>
+            </a:extLst>
+          </a:blip>
+          <a:srcRect l="-1158" t="22075" r="-1283" b="-1"/>
+          <a:stretch/>
+        </p:blipFill>
+        <p:spPr>
+          <a:xfrm>
+            <a:off x="241159" y="1945077"/>
+            <a:ext cx="8617467" cy="3998524"/>
+          </a:xfrm>
+        </p:spPr>
+      </p:pic>
     </p:spTree>
     <p:extLst>
       <p:ext uri="{BB962C8B-B14F-4D97-AF65-F5344CB8AC3E}">
@@ -3608,6 +4040,13 @@
   <p:clrMapOvr>
     <a:masterClrMapping/>
   </p:clrMapOvr>
+  <p:timing>
+    <p:tnLst>
+      <p:par>
+        <p:cTn xmlns:p14="http://schemas.microsoft.com/office/powerpoint/2010/main" id="1" dur="indefinite" restart="never" nodeType="tmRoot"/>
+      </p:par>
+    </p:tnLst>
+  </p:timing>
 </p:sld>
 </file>
 
@@ -3645,6 +4084,451 @@
           <a:p>
             <a:r>
               <a:rPr lang="en-US" dirty="0" smtClean="0"/>
+              <a:t>Game Play</a:t>
+            </a:r>
+            <a:endParaRPr lang="en-US" dirty="0"/>
+          </a:p>
+        </p:txBody>
+      </p:sp>
+      <p:pic>
+        <p:nvPicPr>
+          <p:cNvPr id="4" name="Content Placeholder 3" descr="Photo on 25-11-13 at 03.20.jpg"/>
+          <p:cNvPicPr>
+            <a:picLocks noGrp="1" noChangeAspect="1"/>
+          </p:cNvPicPr>
+          <p:nvPr>
+            <p:ph idx="1"/>
+          </p:nvPr>
+        </p:nvPicPr>
+        <p:blipFill>
+          <a:blip r:embed="rId2">
+            <a:extLst>
+              <a:ext uri="{28A0092B-C50C-407E-A947-70E740481C1C}">
+                <a14:useLocalDpi xmlns:a14="http://schemas.microsoft.com/office/drawing/2010/main" val="0"/>
+              </a:ext>
+            </a:extLst>
+          </a:blip>
+          <a:srcRect t="9495" b="9495"/>
+          <a:stretch>
+            <a:fillRect/>
+          </a:stretch>
+        </p:blipFill>
+        <p:spPr/>
+      </p:pic>
+    </p:spTree>
+    <p:extLst>
+      <p:ext uri="{BB962C8B-B14F-4D97-AF65-F5344CB8AC3E}">
+        <p14:creationId xmlns:p14="http://schemas.microsoft.com/office/powerpoint/2010/main" val="2743481718"/>
+      </p:ext>
+    </p:extLst>
+  </p:cSld>
+  <p:clrMapOvr>
+    <a:masterClrMapping/>
+  </p:clrMapOvr>
+</p:sld>
+</file>
+
+<file path=ppt/slides/slide5.xml><?xml version="1.0" encoding="utf-8"?>
+<p:sld xmlns:a="http://schemas.openxmlformats.org/drawingml/2006/main" xmlns:r="http://schemas.openxmlformats.org/officeDocument/2006/relationships" xmlns:p="http://schemas.openxmlformats.org/presentationml/2006/main">
+  <p:cSld>
+    <p:spTree>
+      <p:nvGrpSpPr>
+        <p:cNvPr id="1" name=""/>
+        <p:cNvGrpSpPr/>
+        <p:nvPr/>
+      </p:nvGrpSpPr>
+      <p:grpSpPr>
+        <a:xfrm>
+          <a:off x="0" y="0"/>
+          <a:ext cx="0" cy="0"/>
+          <a:chOff x="0" y="0"/>
+          <a:chExt cx="0" cy="0"/>
+        </a:xfrm>
+      </p:grpSpPr>
+      <p:pic>
+        <p:nvPicPr>
+          <p:cNvPr id="5" name="Picture 4" descr="image 2.jpeg"/>
+          <p:cNvPicPr>
+            <a:picLocks noChangeAspect="1"/>
+          </p:cNvPicPr>
+          <p:nvPr/>
+        </p:nvPicPr>
+        <p:blipFill>
+          <a:blip r:embed="rId2">
+            <a:extLst>
+              <a:ext uri="{28A0092B-C50C-407E-A947-70E740481C1C}">
+                <a14:useLocalDpi xmlns:a14="http://schemas.microsoft.com/office/drawing/2010/main" val="0"/>
+              </a:ext>
+            </a:extLst>
+          </a:blip>
+          <a:stretch>
+            <a:fillRect/>
+          </a:stretch>
+        </p:blipFill>
+        <p:spPr>
+          <a:xfrm>
+            <a:off x="3054475" y="3544650"/>
+            <a:ext cx="5161057" cy="3048000"/>
+          </a:xfrm>
+          <a:prstGeom prst="rect">
+            <a:avLst/>
+          </a:prstGeom>
+        </p:spPr>
+      </p:pic>
+      <p:sp>
+        <p:nvSpPr>
+          <p:cNvPr id="2" name="Title 1"/>
+          <p:cNvSpPr>
+            <a:spLocks noGrp="1"/>
+          </p:cNvSpPr>
+          <p:nvPr>
+            <p:ph type="title"/>
+          </p:nvPr>
+        </p:nvSpPr>
+        <p:spPr/>
+        <p:txBody>
+          <a:bodyPr/>
+          <a:lstStyle/>
+          <a:p>
+            <a:r>
+              <a:rPr lang="en-US" dirty="0" smtClean="0"/>
+              <a:t>Prototype</a:t>
+            </a:r>
+            <a:endParaRPr lang="en-US" dirty="0"/>
+          </a:p>
+        </p:txBody>
+      </p:sp>
+      <p:pic>
+        <p:nvPicPr>
+          <p:cNvPr id="4" name="Content Placeholder 3" descr="image.jpeg"/>
+          <p:cNvPicPr>
+            <a:picLocks noGrp="1" noChangeAspect="1"/>
+          </p:cNvPicPr>
+          <p:nvPr>
+            <p:ph idx="1"/>
+          </p:nvPr>
+        </p:nvPicPr>
+        <p:blipFill rotWithShape="1">
+          <a:blip r:embed="rId3">
+            <a:extLst>
+              <a:ext uri="{28A0092B-C50C-407E-A947-70E740481C1C}">
+                <a14:useLocalDpi xmlns:a14="http://schemas.microsoft.com/office/drawing/2010/main" val="0"/>
+              </a:ext>
+            </a:extLst>
+          </a:blip>
+          <a:srcRect l="-326" t="19043" r="-726" b="11007"/>
+          <a:stretch/>
+        </p:blipFill>
+        <p:spPr>
+          <a:xfrm>
+            <a:off x="723482" y="1444532"/>
+            <a:ext cx="5852161" cy="2525995"/>
+          </a:xfrm>
+        </p:spPr>
+      </p:pic>
+    </p:spTree>
+    <p:extLst>
+      <p:ext uri="{BB962C8B-B14F-4D97-AF65-F5344CB8AC3E}">
+        <p14:creationId xmlns:p14="http://schemas.microsoft.com/office/powerpoint/2010/main" val="1846592381"/>
+      </p:ext>
+    </p:extLst>
+  </p:cSld>
+  <p:clrMapOvr>
+    <a:masterClrMapping/>
+  </p:clrMapOvr>
+</p:sld>
+</file>
+
+<file path=ppt/slides/slide6.xml><?xml version="1.0" encoding="utf-8"?>
+<p:sld xmlns:a="http://schemas.openxmlformats.org/drawingml/2006/main" xmlns:r="http://schemas.openxmlformats.org/officeDocument/2006/relationships" xmlns:p="http://schemas.openxmlformats.org/presentationml/2006/main">
+  <p:cSld>
+    <p:spTree>
+      <p:nvGrpSpPr>
+        <p:cNvPr id="1" name=""/>
+        <p:cNvGrpSpPr/>
+        <p:nvPr/>
+      </p:nvGrpSpPr>
+      <p:grpSpPr>
+        <a:xfrm>
+          <a:off x="0" y="0"/>
+          <a:ext cx="0" cy="0"/>
+          <a:chOff x="0" y="0"/>
+          <a:chExt cx="0" cy="0"/>
+        </a:xfrm>
+      </p:grpSpPr>
+      <p:pic>
+        <p:nvPicPr>
+          <p:cNvPr id="5" name="Picture 4" descr="image 4.jpeg"/>
+          <p:cNvPicPr>
+            <a:picLocks noChangeAspect="1"/>
+          </p:cNvPicPr>
+          <p:nvPr/>
+        </p:nvPicPr>
+        <p:blipFill>
+          <a:blip r:embed="rId2">
+            <a:extLst>
+              <a:ext uri="{28A0092B-C50C-407E-A947-70E740481C1C}">
+                <a14:useLocalDpi xmlns:a14="http://schemas.microsoft.com/office/drawing/2010/main" val="0"/>
+              </a:ext>
+            </a:extLst>
+          </a:blip>
+          <a:stretch>
+            <a:fillRect/>
+          </a:stretch>
+        </p:blipFill>
+        <p:spPr>
+          <a:xfrm>
+            <a:off x="3564932" y="3118551"/>
+            <a:ext cx="5450449" cy="3570548"/>
+          </a:xfrm>
+          <a:prstGeom prst="rect">
+            <a:avLst/>
+          </a:prstGeom>
+        </p:spPr>
+      </p:pic>
+      <p:pic>
+        <p:nvPicPr>
+          <p:cNvPr id="4" name="Content Placeholder 3" descr="image 3.jpeg"/>
+          <p:cNvPicPr>
+            <a:picLocks noGrp="1" noChangeAspect="1"/>
+          </p:cNvPicPr>
+          <p:nvPr>
+            <p:ph idx="1"/>
+          </p:nvPr>
+        </p:nvPicPr>
+        <p:blipFill rotWithShape="1">
+          <a:blip r:embed="rId3">
+            <a:extLst>
+              <a:ext uri="{28A0092B-C50C-407E-A947-70E740481C1C}">
+                <a14:useLocalDpi xmlns:a14="http://schemas.microsoft.com/office/drawing/2010/main" val="0"/>
+              </a:ext>
+            </a:extLst>
+          </a:blip>
+          <a:srcRect l="2174" t="23115" r="-1282" b="11747"/>
+          <a:stretch/>
+        </p:blipFill>
+        <p:spPr>
+          <a:xfrm>
+            <a:off x="96462" y="562625"/>
+            <a:ext cx="5739618" cy="2829201"/>
+          </a:xfrm>
+        </p:spPr>
+      </p:pic>
+    </p:spTree>
+    <p:extLst>
+      <p:ext uri="{BB962C8B-B14F-4D97-AF65-F5344CB8AC3E}">
+        <p14:creationId xmlns:p14="http://schemas.microsoft.com/office/powerpoint/2010/main" val="4075080069"/>
+      </p:ext>
+    </p:extLst>
+  </p:cSld>
+  <p:clrMapOvr>
+    <a:masterClrMapping/>
+  </p:clrMapOvr>
+</p:sld>
+</file>
+
+<file path=ppt/slides/slide7.xml><?xml version="1.0" encoding="utf-8"?>
+<p:sld xmlns:a="http://schemas.openxmlformats.org/drawingml/2006/main" xmlns:r="http://schemas.openxmlformats.org/officeDocument/2006/relationships" xmlns:p="http://schemas.openxmlformats.org/presentationml/2006/main">
+  <p:cSld>
+    <p:spTree>
+      <p:nvGrpSpPr>
+        <p:cNvPr id="1" name=""/>
+        <p:cNvGrpSpPr/>
+        <p:nvPr/>
+      </p:nvGrpSpPr>
+      <p:grpSpPr>
+        <a:xfrm>
+          <a:off x="0" y="0"/>
+          <a:ext cx="0" cy="0"/>
+          <a:chOff x="0" y="0"/>
+          <a:chExt cx="0" cy="0"/>
+        </a:xfrm>
+      </p:grpSpPr>
+      <p:sp>
+        <p:nvSpPr>
+          <p:cNvPr id="2" name="Title 1"/>
+          <p:cNvSpPr>
+            <a:spLocks noGrp="1"/>
+          </p:cNvSpPr>
+          <p:nvPr>
+            <p:ph type="title"/>
+          </p:nvPr>
+        </p:nvSpPr>
+        <p:spPr/>
+        <p:txBody>
+          <a:bodyPr/>
+          <a:lstStyle/>
+          <a:p>
+            <a:r>
+              <a:rPr lang="en-US" dirty="0" smtClean="0"/>
+              <a:t>Power UP!</a:t>
+            </a:r>
+            <a:endParaRPr lang="en-US" dirty="0"/>
+          </a:p>
+        </p:txBody>
+      </p:sp>
+      <p:pic>
+        <p:nvPicPr>
+          <p:cNvPr id="4" name="Content Placeholder 3" descr="image 5.jpeg"/>
+          <p:cNvPicPr>
+            <a:picLocks noGrp="1" noChangeAspect="1"/>
+          </p:cNvPicPr>
+          <p:nvPr>
+            <p:ph idx="1"/>
+          </p:nvPr>
+        </p:nvPicPr>
+        <p:blipFill>
+          <a:blip r:embed="rId2">
+            <a:extLst>
+              <a:ext uri="{28A0092B-C50C-407E-A947-70E740481C1C}">
+                <a14:useLocalDpi xmlns:a14="http://schemas.microsoft.com/office/drawing/2010/main" val="0"/>
+              </a:ext>
+            </a:extLst>
+          </a:blip>
+          <a:srcRect t="13995" b="13995"/>
+          <a:stretch>
+            <a:fillRect/>
+          </a:stretch>
+        </p:blipFill>
+        <p:spPr/>
+      </p:pic>
+    </p:spTree>
+    <p:extLst>
+      <p:ext uri="{BB962C8B-B14F-4D97-AF65-F5344CB8AC3E}">
+        <p14:creationId xmlns:p14="http://schemas.microsoft.com/office/powerpoint/2010/main" val="3376675709"/>
+      </p:ext>
+    </p:extLst>
+  </p:cSld>
+  <p:clrMapOvr>
+    <a:masterClrMapping/>
+  </p:clrMapOvr>
+</p:sld>
+</file>
+
+<file path=ppt/slides/slide8.xml><?xml version="1.0" encoding="utf-8"?>
+<p:sld xmlns:a="http://schemas.openxmlformats.org/drawingml/2006/main" xmlns:r="http://schemas.openxmlformats.org/officeDocument/2006/relationships" xmlns:p="http://schemas.openxmlformats.org/presentationml/2006/main">
+  <p:cSld>
+    <p:spTree>
+      <p:nvGrpSpPr>
+        <p:cNvPr id="1" name=""/>
+        <p:cNvGrpSpPr/>
+        <p:nvPr/>
+      </p:nvGrpSpPr>
+      <p:grpSpPr>
+        <a:xfrm>
+          <a:off x="0" y="0"/>
+          <a:ext cx="0" cy="0"/>
+          <a:chOff x="0" y="0"/>
+          <a:chExt cx="0" cy="0"/>
+        </a:xfrm>
+      </p:grpSpPr>
+      <p:pic>
+        <p:nvPicPr>
+          <p:cNvPr id="5" name="Picture 4" descr="image 8.jpeg"/>
+          <p:cNvPicPr>
+            <a:picLocks noChangeAspect="1"/>
+          </p:cNvPicPr>
+          <p:nvPr/>
+        </p:nvPicPr>
+        <p:blipFill>
+          <a:blip r:embed="rId2">
+            <a:extLst>
+              <a:ext uri="{28A0092B-C50C-407E-A947-70E740481C1C}">
+                <a14:useLocalDpi xmlns:a14="http://schemas.microsoft.com/office/drawing/2010/main" val="0"/>
+              </a:ext>
+            </a:extLst>
+          </a:blip>
+          <a:stretch>
+            <a:fillRect/>
+          </a:stretch>
+        </p:blipFill>
+        <p:spPr>
+          <a:xfrm>
+            <a:off x="2540000" y="2094913"/>
+            <a:ext cx="6350782" cy="4763087"/>
+          </a:xfrm>
+          <a:prstGeom prst="rect">
+            <a:avLst/>
+          </a:prstGeom>
+        </p:spPr>
+      </p:pic>
+      <p:pic>
+        <p:nvPicPr>
+          <p:cNvPr id="4" name="Content Placeholder 3" descr="image 6.jpeg"/>
+          <p:cNvPicPr>
+            <a:picLocks noGrp="1" noChangeAspect="1"/>
+          </p:cNvPicPr>
+          <p:nvPr>
+            <p:ph idx="1"/>
+          </p:nvPr>
+        </p:nvPicPr>
+        <p:blipFill rotWithShape="1">
+          <a:blip r:embed="rId3">
+            <a:extLst>
+              <a:ext uri="{28A0092B-C50C-407E-A947-70E740481C1C}">
+                <a14:useLocalDpi xmlns:a14="http://schemas.microsoft.com/office/drawing/2010/main" val="0"/>
+              </a:ext>
+            </a:extLst>
+          </a:blip>
+          <a:srcRect l="3284" t="21264" r="383" b="13598"/>
+          <a:stretch/>
+        </p:blipFill>
+        <p:spPr>
+          <a:xfrm>
+            <a:off x="353702" y="240732"/>
+            <a:ext cx="5578846" cy="2829202"/>
+          </a:xfrm>
+        </p:spPr>
+      </p:pic>
+    </p:spTree>
+    <p:extLst>
+      <p:ext uri="{BB962C8B-B14F-4D97-AF65-F5344CB8AC3E}">
+        <p14:creationId xmlns:p14="http://schemas.microsoft.com/office/powerpoint/2010/main" val="1976165449"/>
+      </p:ext>
+    </p:extLst>
+  </p:cSld>
+  <p:clrMapOvr>
+    <a:masterClrMapping/>
+  </p:clrMapOvr>
+</p:sld>
+</file>
+
+<file path=ppt/slides/slide9.xml><?xml version="1.0" encoding="utf-8"?>
+<p:sld xmlns:a="http://schemas.openxmlformats.org/drawingml/2006/main" xmlns:r="http://schemas.openxmlformats.org/officeDocument/2006/relationships" xmlns:p="http://schemas.openxmlformats.org/presentationml/2006/main">
+  <p:cSld>
+    <p:spTree>
+      <p:nvGrpSpPr>
+        <p:cNvPr id="1" name=""/>
+        <p:cNvGrpSpPr/>
+        <p:nvPr/>
+      </p:nvGrpSpPr>
+      <p:grpSpPr>
+        <a:xfrm>
+          <a:off x="0" y="0"/>
+          <a:ext cx="0" cy="0"/>
+          <a:chOff x="0" y="0"/>
+          <a:chExt cx="0" cy="0"/>
+        </a:xfrm>
+      </p:grpSpPr>
+      <p:sp>
+        <p:nvSpPr>
+          <p:cNvPr id="2" name="Title 1"/>
+          <p:cNvSpPr>
+            <a:spLocks noGrp="1"/>
+          </p:cNvSpPr>
+          <p:nvPr>
+            <p:ph type="title"/>
+          </p:nvPr>
+        </p:nvSpPr>
+        <p:spPr/>
+        <p:txBody>
+          <a:bodyPr>
+            <a:normAutofit fontScale="90000"/>
+          </a:bodyPr>
+          <a:lstStyle/>
+          <a:p>
+            <a:r>
+              <a:rPr lang="en-US" dirty="0" smtClean="0"/>
               <a:t>Upgrade Ideas &amp;</a:t>
             </a:r>
             <a:br>
@@ -3670,7 +4554,9 @@
         </p:nvSpPr>
         <p:spPr/>
         <p:txBody>
-          <a:bodyPr/>
+          <a:bodyPr>
+            <a:normAutofit/>
+          </a:bodyPr>
           <a:lstStyle/>
           <a:p>
             <a:pPr marL="0" indent="0">
@@ -3712,8 +4598,13 @@
           <a:p>
             <a:r>
               <a:rPr lang="en-US" dirty="0" smtClean="0"/>
-              <a:t>All enemies die in one instant</a:t>
-            </a:r>
+              <a:t>All enemies </a:t>
+            </a:r>
+            <a:r>
+              <a:rPr lang="en-US" dirty="0" smtClean="0"/>
+              <a:t>on screen destroyed in an instant</a:t>
+            </a:r>
+            <a:endParaRPr lang="en-US" dirty="0" smtClean="0"/>
           </a:p>
           <a:p>
             <a:r>
@@ -3739,13 +4630,20 @@
   <p:clrMapOvr>
     <a:masterClrMapping/>
   </p:clrMapOvr>
+  <p:timing>
+    <p:tnLst>
+      <p:par>
+        <p:cTn xmlns:p14="http://schemas.microsoft.com/office/powerpoint/2010/main" id="1" dur="indefinite" restart="never" nodeType="tmRoot"/>
+      </p:par>
+    </p:tnLst>
+  </p:timing>
 </p:sld>
 </file>
 
 <file path=ppt/theme/theme1.xml><?xml version="1.0" encoding="utf-8"?>
-<a:theme xmlns:a="http://schemas.openxmlformats.org/drawingml/2006/main" name="Executive">
+<a:theme xmlns:a="http://schemas.openxmlformats.org/drawingml/2006/main" name="Breeze">
   <a:themeElements>
-    <a:clrScheme name="Executive">
+    <a:clrScheme name="Breeze">
       <a:dk1>
         <a:sysClr val="windowText" lastClr="000000"/>
       </a:dk1>
@@ -3753,162 +4651,107 @@
         <a:sysClr val="window" lastClr="FFFFFF"/>
       </a:lt1>
       <a:dk2>
-        <a:srgbClr val="2F5897"/>
+        <a:srgbClr val="09213B"/>
       </a:dk2>
       <a:lt2>
-        <a:srgbClr val="E4E9EF"/>
+        <a:srgbClr val="D5EDF4"/>
       </a:lt2>
       <a:accent1>
-        <a:srgbClr val="6076B4"/>
+        <a:srgbClr val="2C7C9F"/>
       </a:accent1>
       <a:accent2>
-        <a:srgbClr val="9C5252"/>
+        <a:srgbClr val="244A58"/>
       </a:accent2>
       <a:accent3>
-        <a:srgbClr val="E68422"/>
+        <a:srgbClr val="E2751D"/>
       </a:accent3>
       <a:accent4>
-        <a:srgbClr val="846648"/>
+        <a:srgbClr val="FFB400"/>
       </a:accent4>
       <a:accent5>
-        <a:srgbClr val="63891F"/>
+        <a:srgbClr val="7EB606"/>
       </a:accent5>
       <a:accent6>
-        <a:srgbClr val="758085"/>
+        <a:srgbClr val="C00000"/>
       </a:accent6>
       <a:hlink>
-        <a:srgbClr val="3399FF"/>
+        <a:srgbClr val="7030A0"/>
       </a:hlink>
       <a:folHlink>
-        <a:srgbClr val="B2B2B2"/>
+        <a:srgbClr val="00B0F0"/>
       </a:folHlink>
     </a:clrScheme>
-    <a:fontScheme name="Executive">
+    <a:fontScheme name="Breeze">
       <a:majorFont>
-        <a:latin typeface="Century Gothic"/>
+        <a:latin typeface="News Gothic MT"/>
         <a:ea typeface=""/>
         <a:cs typeface=""/>
-        <a:font script="Jpan" typeface="ＭＳ ゴシック"/>
-        <a:font script="Hang" typeface="HY중고딕"/>
-        <a:font script="Hans" typeface="微软雅黑"/>
-        <a:font script="Hant" typeface="微軟正黑體"/>
-        <a:font script="Arab" typeface="Tahoma"/>
-        <a:font script="Hebr" typeface="Gisha"/>
-        <a:font script="Thai" typeface="DilleniaUPC"/>
-        <a:font script="Ethi" typeface="Nyala"/>
-        <a:font script="Beng" typeface="Vrinda"/>
-        <a:font script="Gujr" typeface="Shruti"/>
-        <a:font script="Khmr" typeface="DaunPenh"/>
-        <a:font script="Knda" typeface="Tunga"/>
-        <a:font script="Guru" typeface="Raavi"/>
-        <a:font script="Cans" typeface="Euphemia"/>
-        <a:font script="Cher" typeface="Plantagenet Cherokee"/>
-        <a:font script="Yiii" typeface="Microsoft Yi Baiti"/>
-        <a:font script="Tibt" typeface="Microsoft Himalaya"/>
-        <a:font script="Thaa" typeface="MV Boli"/>
-        <a:font script="Deva" typeface="Mangal"/>
-        <a:font script="Telu" typeface="Gautami"/>
-        <a:font script="Taml" typeface="Latha"/>
-        <a:font script="Syrc" typeface="Estrangelo Edessa"/>
-        <a:font script="Orya" typeface="Kalinga"/>
-        <a:font script="Mlym" typeface="Kartika"/>
-        <a:font script="Laoo" typeface="DokChampa"/>
-        <a:font script="Sinh" typeface="Iskoola Pota"/>
-        <a:font script="Mong" typeface="Mongolian Baiti"/>
-        <a:font script="Viet" typeface="Tahoma"/>
-        <a:font script="Uigh" typeface="Microsoft Uighur"/>
-        <a:font script="Geor" typeface="Sylfaen"/>
+        <a:font script="Jpan" typeface="ＭＳ Ｐゴシック"/>
+        <a:font script="Hans" typeface="宋体"/>
+        <a:font script="Hant" typeface="新細明體"/>
       </a:majorFont>
       <a:minorFont>
-        <a:latin typeface="Palatino Linotype"/>
+        <a:latin typeface="News Gothic MT"/>
         <a:ea typeface=""/>
         <a:cs typeface=""/>
-        <a:font script="Jpan" typeface="HGS明朝E"/>
-        <a:font script="Hang" typeface="맑은 고딕"/>
+        <a:font script="Jpan" typeface="ＭＳ Ｐゴシック"/>
         <a:font script="Hans" typeface="宋体"/>
         <a:font script="Hant" typeface="新細明體"/>
-        <a:font script="Arab" typeface="Times New Roman"/>
-        <a:font script="Hebr" typeface="Times New Roman"/>
-        <a:font script="Thai" typeface="Browallia New"/>
-        <a:font script="Ethi" typeface="Nyala"/>
-        <a:font script="Beng" typeface="Vrinda"/>
-        <a:font script="Gujr" typeface="Shruti"/>
-        <a:font script="Khmr" typeface="MoolBoran"/>
-        <a:font script="Knda" typeface="Tunga"/>
-        <a:font script="Guru" typeface="Raavi"/>
-        <a:font script="Cans" typeface="Euphemia"/>
-        <a:font script="Cher" typeface="Plantagenet Cherokee"/>
-        <a:font script="Yiii" typeface="Microsoft Yi Baiti"/>
-        <a:font script="Tibt" typeface="Microsoft Himalaya"/>
-        <a:font script="Thaa" typeface="MV Boli"/>
-        <a:font script="Deva" typeface="Mangal"/>
-        <a:font script="Telu" typeface="Gautami"/>
-        <a:font script="Taml" typeface="Latha"/>
-        <a:font script="Syrc" typeface="Estrangelo Edessa"/>
-        <a:font script="Orya" typeface="Kalinga"/>
-        <a:font script="Mlym" typeface="Kartika"/>
-        <a:font script="Laoo" typeface="DokChampa"/>
-        <a:font script="Sinh" typeface="Iskoola Pota"/>
-        <a:font script="Mong" typeface="Mongolian Baiti"/>
-        <a:font script="Viet" typeface="Times New Roman"/>
-        <a:font script="Uigh" typeface="Microsoft Uighur"/>
-        <a:font script="Geor" typeface="Sylfaen"/>
       </a:minorFont>
     </a:fontScheme>
-    <a:fmtScheme name="Executive">
+    <a:fmtScheme name="Breeze">
       <a:fillStyleLst>
         <a:solidFill>
           <a:schemeClr val="phClr"/>
         </a:solidFill>
         <a:gradFill rotWithShape="1">
           <a:gsLst>
-            <a:gs pos="0">
+            <a:gs pos="31000">
               <a:schemeClr val="phClr">
-                <a:tint val="50000"/>
-                <a:satMod val="300000"/>
-              </a:schemeClr>
-            </a:gs>
-            <a:gs pos="35000">
-              <a:schemeClr val="phClr">
-                <a:tint val="37000"/>
-                <a:satMod val="300000"/>
+                <a:tint val="100000"/>
+                <a:shade val="100000"/>
+                <a:satMod val="120000"/>
               </a:schemeClr>
             </a:gs>
             <a:gs pos="100000">
               <a:schemeClr val="phClr">
-                <a:tint val="15000"/>
-                <a:satMod val="350000"/>
+                <a:tint val="50000"/>
+                <a:satMod val="150000"/>
               </a:schemeClr>
             </a:gs>
           </a:gsLst>
-          <a:lin ang="16200000" scaled="1"/>
+          <a:lin ang="5400000" scaled="1"/>
         </a:gradFill>
         <a:gradFill rotWithShape="1">
           <a:gsLst>
             <a:gs pos="0">
               <a:schemeClr val="phClr">
-                <a:shade val="51000"/>
-                <a:satMod val="130000"/>
+                <a:shade val="100000"/>
+                <a:satMod val="120000"/>
               </a:schemeClr>
             </a:gs>
-            <a:gs pos="80000">
+            <a:gs pos="69000">
               <a:schemeClr val="phClr">
-                <a:shade val="93000"/>
-                <a:satMod val="130000"/>
+                <a:tint val="80000"/>
+                <a:shade val="100000"/>
+                <a:satMod val="150000"/>
               </a:schemeClr>
             </a:gs>
             <a:gs pos="100000">
               <a:schemeClr val="phClr">
-                <a:shade val="94000"/>
-                <a:satMod val="135000"/>
+                <a:tint val="50000"/>
+                <a:shade val="100000"/>
+                <a:satMod val="150000"/>
               </a:schemeClr>
             </a:gs>
           </a:gsLst>
-          <a:lin ang="16200000" scaled="0"/>
+          <a:path path="circle">
+            <a:fillToRect l="100000" t="100000" r="100000" b="100000"/>
+          </a:path>
         </a:gradFill>
       </a:fillStyleLst>
       <a:lnStyleLst>
-        <a:ln w="9525" cap="flat" cmpd="sng" algn="ctr">
+        <a:ln w="12700" cap="flat" cmpd="sng" algn="ctr">
           <a:solidFill>
             <a:schemeClr val="phClr">
               <a:shade val="95000"/>
@@ -3917,13 +4760,13 @@
           </a:solidFill>
           <a:prstDash val="solid"/>
         </a:ln>
-        <a:ln w="28575" cap="flat" cmpd="sng" algn="ctr">
+        <a:ln w="25400" cap="flat" cmpd="dbl" algn="ctr">
           <a:solidFill>
             <a:schemeClr val="phClr"/>
           </a:solidFill>
           <a:prstDash val="solid"/>
         </a:ln>
-        <a:ln w="50800" cap="flat" cmpd="sng" algn="ctr">
+        <a:ln w="31750" cap="flat" cmpd="dbl" algn="ctr">
           <a:solidFill>
             <a:schemeClr val="phClr"/>
           </a:solidFill>
@@ -3932,41 +4775,38 @@
       </a:lnStyleLst>
       <a:effectStyleLst>
         <a:effectStyle>
+          <a:effectLst/>
+        </a:effectStyle>
+        <a:effectStyle>
           <a:effectLst>
-            <a:outerShdw blurRad="40000" dist="20000" dir="5400000" rotWithShape="0">
+            <a:outerShdw blurRad="63500" dist="25400" dir="5400000" sx="101000" sy="101000" rotWithShape="0">
               <a:srgbClr val="000000">
-                <a:alpha val="38000"/>
+                <a:alpha val="40000"/>
               </a:srgbClr>
             </a:outerShdw>
           </a:effectLst>
         </a:effectStyle>
         <a:effectStyle>
           <a:effectLst>
-            <a:outerShdw blurRad="40000" dist="23000" dir="5400000" rotWithShape="0">
-              <a:srgbClr val="000000">
-                <a:alpha val="35000"/>
+            <a:innerShdw blurRad="127000" dist="25400" dir="13500000">
+              <a:srgbClr val="C0C0C0">
+                <a:alpha val="75000"/>
               </a:srgbClr>
-            </a:outerShdw>
-          </a:effectLst>
-        </a:effectStyle>
-        <a:effectStyle>
-          <a:effectLst>
-            <a:outerShdw blurRad="40000" dist="23000" dir="5400000" rotWithShape="0">
-              <a:srgbClr val="000000">
-                <a:alpha val="35000"/>
+            </a:innerShdw>
+            <a:outerShdw blurRad="88900" dist="25400" dir="5400000" sx="102000" sy="102000" algn="ctr" rotWithShape="0">
+              <a:srgbClr val="C0C0C0">
+                <a:alpha val="40000"/>
               </a:srgbClr>
             </a:outerShdw>
           </a:effectLst>
           <a:scene3d>
-            <a:camera prst="orthographicFront">
-              <a:rot lat="0" lon="0" rev="0"/>
-            </a:camera>
-            <a:lightRig rig="threePt" dir="t">
-              <a:rot lat="0" lon="0" rev="1200000"/>
+            <a:camera prst="perspectiveLeft" fov="300000"/>
+            <a:lightRig rig="soft" dir="l">
+              <a:rot lat="0" lon="0" rev="4200000"/>
             </a:lightRig>
           </a:scene3d>
-          <a:sp3d>
-            <a:bevelT w="63500" h="25400"/>
+          <a:sp3d extrusionH="38100" prstMaterial="powder">
+            <a:bevelT w="50800" h="88900" prst="convex"/>
           </a:sp3d>
         </a:effectStyle>
       </a:effectStyleLst>
@@ -3976,48 +4816,92 @@
         </a:solidFill>
         <a:gradFill rotWithShape="1">
           <a:gsLst>
-            <a:gs pos="50000">
+            <a:gs pos="0">
               <a:schemeClr val="phClr">
-                <a:tint val="80000"/>
-                <a:satMod val="250000"/>
+                <a:tint val="40000"/>
+                <a:satMod val="350000"/>
               </a:schemeClr>
             </a:gs>
-            <a:gs pos="76000">
+            <a:gs pos="40000">
               <a:schemeClr val="phClr">
-                <a:tint val="90000"/>
-                <a:shade val="90000"/>
-                <a:satMod val="200000"/>
+                <a:tint val="45000"/>
+                <a:shade val="99000"/>
+                <a:satMod val="350000"/>
               </a:schemeClr>
             </a:gs>
-            <a:gs pos="92000">
+            <a:gs pos="100000">
               <a:schemeClr val="phClr">
-                <a:tint val="90000"/>
-                <a:shade val="70000"/>
-                <a:satMod val="250000"/>
+                <a:shade val="20000"/>
+                <a:satMod val="255000"/>
               </a:schemeClr>
             </a:gs>
           </a:gsLst>
           <a:path path="circle">
-            <a:fillToRect l="50000" t="50000" r="50000" b="50000"/>
+            <a:fillToRect l="50000" t="-80000" r="50000" b="180000"/>
           </a:path>
         </a:gradFill>
-        <a:blipFill>
+        <a:blipFill rotWithShape="1">
           <a:blip xmlns:r="http://schemas.openxmlformats.org/officeDocument/2006/relationships" r:embed="rId1">
             <a:duotone>
               <a:schemeClr val="phClr">
-                <a:tint val="95000"/>
+                <a:shade val="40000"/>
+                <a:satMod val="400000"/>
               </a:schemeClr>
               <a:schemeClr val="phClr">
-                <a:shade val="90000"/>
+                <a:tint val="10000"/>
+                <a:satMod val="200000"/>
               </a:schemeClr>
             </a:duotone>
           </a:blip>
-          <a:tile tx="0" ty="0" sx="100000" sy="100000" flip="none" algn="tl"/>
+          <a:stretch/>
         </a:blipFill>
       </a:bgFillStyleLst>
     </a:fmtScheme>
   </a:themeElements>
-  <a:objectDefaults/>
+  <a:objectDefaults>
+    <a:spDef>
+      <a:spPr/>
+      <a:bodyPr rtlCol="0" anchor="ctr"/>
+      <a:lstStyle>
+        <a:defPPr algn="ctr">
+          <a:defRPr/>
+        </a:defPPr>
+      </a:lstStyle>
+      <a:style>
+        <a:lnRef idx="1">
+          <a:schemeClr val="accent1"/>
+        </a:lnRef>
+        <a:fillRef idx="3">
+          <a:schemeClr val="accent1"/>
+        </a:fillRef>
+        <a:effectRef idx="2">
+          <a:schemeClr val="accent1"/>
+        </a:effectRef>
+        <a:fontRef idx="minor">
+          <a:schemeClr val="lt1"/>
+        </a:fontRef>
+      </a:style>
+    </a:spDef>
+    <a:lnDef>
+      <a:spPr/>
+      <a:bodyPr/>
+      <a:lstStyle/>
+      <a:style>
+        <a:lnRef idx="2">
+          <a:schemeClr val="accent1"/>
+        </a:lnRef>
+        <a:fillRef idx="0">
+          <a:schemeClr val="accent1"/>
+        </a:fillRef>
+        <a:effectRef idx="1">
+          <a:schemeClr val="accent1"/>
+        </a:effectRef>
+        <a:fontRef idx="minor">
+          <a:schemeClr val="tx1"/>
+        </a:fontRef>
+      </a:style>
+    </a:lnDef>
+  </a:objectDefaults>
   <a:extraClrSchemeLst/>
 </a:theme>
 </file>